--- a/U3L7 Capstone - Melbourne hosing.pptx
+++ b/U3L7 Capstone - Melbourne hosing.pptx
@@ -6978,15 +6978,7 @@
             <a:pPr lvl="1"/>
             <a:r>
               <a:rPr lang="en-US" dirty="0" smtClean="0"/>
-              <a:t>After removing some outliers that were turning the data to blue only, we can see that closer to the CBD are </a:t>
-            </a:r>
-            <a:r>
-              <a:rPr lang="en-US" dirty="0" smtClean="0"/>
-              <a:t>the most </a:t>
-            </a:r>
-            <a:r>
-              <a:rPr lang="en-US" dirty="0" smtClean="0"/>
-              <a:t>expensive houses.</a:t>
+              <a:t>After removing some outliers that were turning the data to blue only, we can see that closer to the CBD are the most expensive houses.</a:t>
             </a:r>
             <a:endParaRPr lang="en-US" dirty="0"/>
           </a:p>
@@ -7502,11 +7494,7 @@
           <a:p>
             <a:r>
               <a:rPr lang="en-US" dirty="0"/>
-              <a:t>  </a:t>
-            </a:r>
-            <a:r>
-              <a:rPr lang="en-US" dirty="0"/>
-              <a:t> </a:t>
+              <a:t>   </a:t>
             </a:r>
             <a:r>
               <a:rPr lang="en-US" dirty="0" smtClean="0"/>
@@ -13424,12 +13412,14 @@
         </p:nvSpPr>
         <p:spPr>
           <a:xfrm>
-            <a:off x="648587" y="318978"/>
-            <a:ext cx="10406268" cy="5147368"/>
+            <a:off x="522514" y="318978"/>
+            <a:ext cx="10532341" cy="5147368"/>
           </a:xfrm>
         </p:spPr>
         <p:txBody>
-          <a:bodyPr/>
+          <a:bodyPr>
+            <a:normAutofit lnSpcReduction="10000"/>
+          </a:bodyPr>
           <a:lstStyle/>
           <a:p>
             <a:r>
@@ -13523,7 +13513,76 @@
               <a:rPr lang="en-US" dirty="0"/>
               <a:t>splits. </a:t>
             </a:r>
-            <a:endParaRPr lang="en-US" dirty="0" smtClean="0"/>
+            <a:endParaRPr lang="en-US" dirty="0"/>
+          </a:p>
+          <a:p>
+            <a:r>
+              <a:rPr lang="en-US" dirty="0" smtClean="0"/>
+              <a:t>Future steps:</a:t>
+            </a:r>
+          </a:p>
+          <a:p>
+            <a:pPr lvl="2">
+              <a:spcBef>
+                <a:spcPts val="0"/>
+              </a:spcBef>
+            </a:pPr>
+            <a:r>
+              <a:rPr lang="en-US" dirty="0" smtClean="0"/>
+              <a:t>Work with categorical features to create dummies instead of </a:t>
+            </a:r>
+          </a:p>
+          <a:p>
+            <a:pPr marL="914400" lvl="2" indent="0">
+              <a:spcBef>
+                <a:spcPts val="0"/>
+              </a:spcBef>
+              <a:buNone/>
+            </a:pPr>
+            <a:r>
+              <a:rPr lang="en-US" dirty="0" smtClean="0"/>
+              <a:t>using </a:t>
+            </a:r>
+            <a:r>
+              <a:rPr lang="en-US" dirty="0" err="1" smtClean="0"/>
+              <a:t>LabelEncoder</a:t>
+            </a:r>
+            <a:r>
+              <a:rPr lang="en-US" dirty="0" smtClean="0"/>
+              <a:t>;</a:t>
+            </a:r>
+          </a:p>
+          <a:p>
+            <a:pPr lvl="2">
+              <a:spcBef>
+                <a:spcPts val="0"/>
+              </a:spcBef>
+            </a:pPr>
+            <a:r>
+              <a:rPr lang="en-US" dirty="0" smtClean="0"/>
+              <a:t>Change ‘Rooms’ and ‘Car’ features to categorical type;</a:t>
+            </a:r>
+          </a:p>
+          <a:p>
+            <a:pPr lvl="2">
+              <a:spcBef>
+                <a:spcPts val="0"/>
+              </a:spcBef>
+            </a:pPr>
+            <a:r>
+              <a:rPr lang="en-US" dirty="0" smtClean="0"/>
+              <a:t>Remove some more outliers to see how the model performs;</a:t>
+            </a:r>
+          </a:p>
+          <a:p>
+            <a:pPr lvl="2"/>
+            <a:endParaRPr lang="en-US" dirty="0"/>
+          </a:p>
+          <a:p>
+            <a:pPr marL="0" indent="0">
+              <a:buNone/>
+            </a:pPr>
+            <a:endParaRPr lang="en-US" dirty="0"/>
           </a:p>
         </p:txBody>
       </p:sp>
@@ -18349,11 +18408,7 @@
             </a:pPr>
             <a:r>
               <a:rPr lang="en-US" sz="1600" dirty="0" smtClean="0"/>
-              <a:t>		</a:t>
-            </a:r>
-            <a:r>
-              <a:rPr lang="en-US" sz="1600" dirty="0" smtClean="0"/>
-              <a:t>Chosen Solution: Impute </a:t>
+              <a:t>		Chosen Solution: Impute </a:t>
             </a:r>
             <a:r>
               <a:rPr lang="en-US" sz="1600" dirty="0"/>
@@ -20533,11 +20588,7 @@
             </a:pPr>
             <a:r>
               <a:rPr lang="en-US" dirty="0" smtClean="0"/>
-              <a:t>Let’s visualize Price and Distance to spot </a:t>
-            </a:r>
-            <a:r>
-              <a:rPr lang="en-US" dirty="0" smtClean="0"/>
-              <a:t>outliers: </a:t>
+              <a:t>Let’s visualize Price and Distance to spot outliers: </a:t>
             </a:r>
           </a:p>
           <a:p>
@@ -20575,7 +20626,6 @@
               <a:rPr lang="en-US" dirty="0" smtClean="0"/>
               <a:t>distance</a:t>
             </a:r>
-            <a:endParaRPr lang="en-US" dirty="0" smtClean="0"/>
           </a:p>
           <a:p>
             <a:pPr>
@@ -20651,7 +20701,6 @@
               <a:rPr lang="en-US" sz="1600" dirty="0" smtClean="0"/>
               <a:t> distance in color:</a:t>
             </a:r>
-            <a:endParaRPr lang="en-US" sz="1600" dirty="0" smtClean="0"/>
           </a:p>
         </p:txBody>
       </p:sp>

--- a/U3L7 Capstone - Melbourne hosing.pptx
+++ b/U3L7 Capstone - Melbourne hosing.pptx
@@ -8787,30 +8787,21 @@
                             </p:childTnLst>
                           </p:cTn>
                         </p:par>
-                      </p:childTnLst>
-                    </p:cTn>
-                  </p:par>
-                  <p:par>
-                    <p:cTn id="35" fill="hold">
-                      <p:stCondLst>
-                        <p:cond delay="indefinite"/>
-                      </p:stCondLst>
-                      <p:childTnLst>
                         <p:par>
-                          <p:cTn id="36" fill="hold">
+                          <p:cTn id="35" fill="hold">
                             <p:stCondLst>
                               <p:cond delay="0"/>
                             </p:stCondLst>
                             <p:childTnLst>
                               <p:par>
-                                <p:cTn id="37" presetID="42" presetClass="entr" presetSubtype="0" fill="hold" grpId="0" nodeType="clickEffect">
+                                <p:cTn id="36" presetID="42" presetClass="entr" presetSubtype="0" fill="hold" grpId="0" nodeType="afterEffect">
                                   <p:stCondLst>
                                     <p:cond delay="0"/>
                                   </p:stCondLst>
                                   <p:childTnLst>
                                     <p:set>
                                       <p:cBhvr>
-                                        <p:cTn id="38" dur="1" fill="hold">
+                                        <p:cTn id="37" dur="1" fill="hold">
                                           <p:stCondLst>
                                             <p:cond delay="0"/>
                                           </p:stCondLst>
@@ -8828,7 +8819,7 @@
                                     </p:set>
                                     <p:animEffect transition="in" filter="fade">
                                       <p:cBhvr>
-                                        <p:cTn id="39" dur="1000"/>
+                                        <p:cTn id="38" dur="2000"/>
                                         <p:tgtEl>
                                           <p:spTgt spid="13"/>
                                         </p:tgtEl>
@@ -8836,7 +8827,7 @@
                                     </p:animEffect>
                                     <p:anim calcmode="lin" valueType="num">
                                       <p:cBhvr>
-                                        <p:cTn id="40" dur="1000" fill="hold"/>
+                                        <p:cTn id="39" dur="2000" fill="hold"/>
                                         <p:tgtEl>
                                           <p:spTgt spid="13"/>
                                         </p:tgtEl>
@@ -8859,9 +8850,99 @@
                                     </p:anim>
                                     <p:anim calcmode="lin" valueType="num">
                                       <p:cBhvr>
-                                        <p:cTn id="41" dur="1000" fill="hold"/>
+                                        <p:cTn id="40" dur="2000" fill="hold"/>
                                         <p:tgtEl>
                                           <p:spTgt spid="13"/>
+                                        </p:tgtEl>
+                                        <p:attrNameLst>
+                                          <p:attrName>ppt_y</p:attrName>
+                                        </p:attrNameLst>
+                                      </p:cBhvr>
+                                      <p:tavLst>
+                                        <p:tav tm="0">
+                                          <p:val>
+                                            <p:strVal val="#ppt_y+.1"/>
+                                          </p:val>
+                                        </p:tav>
+                                        <p:tav tm="100000">
+                                          <p:val>
+                                            <p:strVal val="#ppt_y"/>
+                                          </p:val>
+                                        </p:tav>
+                                      </p:tavLst>
+                                    </p:anim>
+                                  </p:childTnLst>
+                                </p:cTn>
+                              </p:par>
+                            </p:childTnLst>
+                          </p:cTn>
+                        </p:par>
+                        <p:par>
+                          <p:cTn id="41" fill="hold">
+                            <p:stCondLst>
+                              <p:cond delay="2000"/>
+                            </p:stCondLst>
+                            <p:childTnLst>
+                              <p:par>
+                                <p:cTn id="42" presetID="42" presetClass="entr" presetSubtype="0" fill="hold" grpId="0" nodeType="afterEffect">
+                                  <p:stCondLst>
+                                    <p:cond delay="0"/>
+                                  </p:stCondLst>
+                                  <p:childTnLst>
+                                    <p:set>
+                                      <p:cBhvr>
+                                        <p:cTn id="43" dur="1" fill="hold">
+                                          <p:stCondLst>
+                                            <p:cond delay="0"/>
+                                          </p:stCondLst>
+                                        </p:cTn>
+                                        <p:tgtEl>
+                                          <p:spTgt spid="14"/>
+                                        </p:tgtEl>
+                                        <p:attrNameLst>
+                                          <p:attrName>style.visibility</p:attrName>
+                                        </p:attrNameLst>
+                                      </p:cBhvr>
+                                      <p:to>
+                                        <p:strVal val="visible"/>
+                                      </p:to>
+                                    </p:set>
+                                    <p:animEffect transition="in" filter="fade">
+                                      <p:cBhvr>
+                                        <p:cTn id="44" dur="2000"/>
+                                        <p:tgtEl>
+                                          <p:spTgt spid="14"/>
+                                        </p:tgtEl>
+                                      </p:cBhvr>
+                                    </p:animEffect>
+                                    <p:anim calcmode="lin" valueType="num">
+                                      <p:cBhvr>
+                                        <p:cTn id="45" dur="2000" fill="hold"/>
+                                        <p:tgtEl>
+                                          <p:spTgt spid="14"/>
+                                        </p:tgtEl>
+                                        <p:attrNameLst>
+                                          <p:attrName>ppt_x</p:attrName>
+                                        </p:attrNameLst>
+                                      </p:cBhvr>
+                                      <p:tavLst>
+                                        <p:tav tm="0">
+                                          <p:val>
+                                            <p:strVal val="#ppt_x"/>
+                                          </p:val>
+                                        </p:tav>
+                                        <p:tav tm="100000">
+                                          <p:val>
+                                            <p:strVal val="#ppt_x"/>
+                                          </p:val>
+                                        </p:tav>
+                                      </p:tavLst>
+                                    </p:anim>
+                                    <p:anim calcmode="lin" valueType="num">
+                                      <p:cBhvr>
+                                        <p:cTn id="46" dur="2000" fill="hold"/>
+                                        <p:tgtEl>
+                                          <p:spTgt spid="14"/>
                                         </p:tgtEl>
                                         <p:attrNameLst>
                                           <p:attrName>ppt_y</p:attrName>
@@ -8890,32 +8971,81 @@
                     </p:cTn>
                   </p:par>
                   <p:par>
-                    <p:cTn id="42" fill="hold">
+                    <p:cTn id="47" fill="hold">
                       <p:stCondLst>
                         <p:cond delay="indefinite"/>
                       </p:stCondLst>
                       <p:childTnLst>
                         <p:par>
-                          <p:cTn id="43" fill="hold">
+                          <p:cTn id="48" fill="hold">
                             <p:stCondLst>
                               <p:cond delay="0"/>
                             </p:stCondLst>
                             <p:childTnLst>
                               <p:par>
-                                <p:cTn id="44" presetID="42" presetClass="entr" presetSubtype="0" fill="hold" grpId="0" nodeType="clickEffect">
+                                <p:cTn id="49" presetID="1" presetClass="entr" presetSubtype="0" fill="hold" nodeType="clickEffect">
                                   <p:stCondLst>
                                     <p:cond delay="0"/>
                                   </p:stCondLst>
                                   <p:childTnLst>
                                     <p:set>
                                       <p:cBhvr>
-                                        <p:cTn id="45" dur="1" fill="hold">
+                                        <p:cTn id="50" dur="1" fill="hold">
                                           <p:stCondLst>
                                             <p:cond delay="0"/>
                                           </p:stCondLst>
                                         </p:cTn>
                                         <p:tgtEl>
-                                          <p:spTgt spid="14"/>
+                                          <p:spTgt spid="3">
+                                            <p:txEl>
+                                              <p:pRg st="3" end="3"/>
+                                            </p:txEl>
+                                          </p:spTgt>
+                                        </p:tgtEl>
+                                        <p:attrNameLst>
+                                          <p:attrName>style.visibility</p:attrName>
+                                        </p:attrNameLst>
+                                      </p:cBhvr>
+                                      <p:to>
+                                        <p:strVal val="visible"/>
+                                      </p:to>
+                                    </p:set>
+                                  </p:childTnLst>
+                                </p:cTn>
+                              </p:par>
+                            </p:childTnLst>
+                          </p:cTn>
+                        </p:par>
+                      </p:childTnLst>
+                    </p:cTn>
+                  </p:par>
+                  <p:par>
+                    <p:cTn id="51" fill="hold">
+                      <p:stCondLst>
+                        <p:cond delay="indefinite"/>
+                      </p:stCondLst>
+                      <p:childTnLst>
+                        <p:par>
+                          <p:cTn id="52" fill="hold">
+                            <p:stCondLst>
+                              <p:cond delay="0"/>
+                            </p:stCondLst>
+                            <p:childTnLst>
+                              <p:par>
+                                <p:cTn id="53" presetID="42" presetClass="entr" presetSubtype="0" fill="hold" nodeType="clickEffect">
+                                  <p:stCondLst>
+                                    <p:cond delay="0"/>
+                                  </p:stCondLst>
+                                  <p:childTnLst>
+                                    <p:set>
+                                      <p:cBhvr>
+                                        <p:cTn id="54" dur="1" fill="hold">
+                                          <p:stCondLst>
+                                            <p:cond delay="0"/>
+                                          </p:stCondLst>
+                                        </p:cTn>
+                                        <p:tgtEl>
+                                          <p:spTgt spid="15"/>
                                         </p:tgtEl>
                                         <p:attrNameLst>
                                           <p:attrName>style.visibility</p:attrName>
@@ -8927,17 +9057,17 @@
                                     </p:set>
                                     <p:animEffect transition="in" filter="fade">
                                       <p:cBhvr>
-                                        <p:cTn id="46" dur="1000"/>
-                                        <p:tgtEl>
-                                          <p:spTgt spid="14"/>
+                                        <p:cTn id="55" dur="1000"/>
+                                        <p:tgtEl>
+                                          <p:spTgt spid="15"/>
                                         </p:tgtEl>
                                       </p:cBhvr>
                                     </p:animEffect>
                                     <p:anim calcmode="lin" valueType="num">
                                       <p:cBhvr>
-                                        <p:cTn id="47" dur="1000" fill="hold"/>
-                                        <p:tgtEl>
-                                          <p:spTgt spid="14"/>
+                                        <p:cTn id="56" dur="1000" fill="hold"/>
+                                        <p:tgtEl>
+                                          <p:spTgt spid="15"/>
                                         </p:tgtEl>
                                         <p:attrNameLst>
                                           <p:attrName>ppt_x</p:attrName>
@@ -8958,155 +9088,7 @@
                                     </p:anim>
                                     <p:anim calcmode="lin" valueType="num">
                                       <p:cBhvr>
-                                        <p:cTn id="48" dur="1000" fill="hold"/>
-                                        <p:tgtEl>
-                                          <p:spTgt spid="14"/>
-                                        </p:tgtEl>
-                                        <p:attrNameLst>
-                                          <p:attrName>ppt_y</p:attrName>
-                                        </p:attrNameLst>
-                                      </p:cBhvr>
-                                      <p:tavLst>
-                                        <p:tav tm="0">
-                                          <p:val>
-                                            <p:strVal val="#ppt_y+.1"/>
-                                          </p:val>
-                                        </p:tav>
-                                        <p:tav tm="100000">
-                                          <p:val>
-                                            <p:strVal val="#ppt_y"/>
-                                          </p:val>
-                                        </p:tav>
-                                      </p:tavLst>
-                                    </p:anim>
-                                  </p:childTnLst>
-                                </p:cTn>
-                              </p:par>
-                            </p:childTnLst>
-                          </p:cTn>
-                        </p:par>
-                      </p:childTnLst>
-                    </p:cTn>
-                  </p:par>
-                  <p:par>
-                    <p:cTn id="49" fill="hold">
-                      <p:stCondLst>
-                        <p:cond delay="indefinite"/>
-                      </p:stCondLst>
-                      <p:childTnLst>
-                        <p:par>
-                          <p:cTn id="50" fill="hold">
-                            <p:stCondLst>
-                              <p:cond delay="0"/>
-                            </p:stCondLst>
-                            <p:childTnLst>
-                              <p:par>
-                                <p:cTn id="51" presetID="1" presetClass="entr" presetSubtype="0" fill="hold" nodeType="clickEffect">
-                                  <p:stCondLst>
-                                    <p:cond delay="0"/>
-                                  </p:stCondLst>
-                                  <p:childTnLst>
-                                    <p:set>
-                                      <p:cBhvr>
-                                        <p:cTn id="52" dur="1" fill="hold">
-                                          <p:stCondLst>
-                                            <p:cond delay="0"/>
-                                          </p:stCondLst>
-                                        </p:cTn>
-                                        <p:tgtEl>
-                                          <p:spTgt spid="3">
-                                            <p:txEl>
-                                              <p:pRg st="3" end="3"/>
-                                            </p:txEl>
-                                          </p:spTgt>
-                                        </p:tgtEl>
-                                        <p:attrNameLst>
-                                          <p:attrName>style.visibility</p:attrName>
-                                        </p:attrNameLst>
-                                      </p:cBhvr>
-                                      <p:to>
-                                        <p:strVal val="visible"/>
-                                      </p:to>
-                                    </p:set>
-                                  </p:childTnLst>
-                                </p:cTn>
-                              </p:par>
-                            </p:childTnLst>
-                          </p:cTn>
-                        </p:par>
-                      </p:childTnLst>
-                    </p:cTn>
-                  </p:par>
-                  <p:par>
-                    <p:cTn id="53" fill="hold">
-                      <p:stCondLst>
-                        <p:cond delay="indefinite"/>
-                      </p:stCondLst>
-                      <p:childTnLst>
-                        <p:par>
-                          <p:cTn id="54" fill="hold">
-                            <p:stCondLst>
-                              <p:cond delay="0"/>
-                            </p:stCondLst>
-                            <p:childTnLst>
-                              <p:par>
-                                <p:cTn id="55" presetID="42" presetClass="entr" presetSubtype="0" fill="hold" nodeType="clickEffect">
-                                  <p:stCondLst>
-                                    <p:cond delay="0"/>
-                                  </p:stCondLst>
-                                  <p:childTnLst>
-                                    <p:set>
-                                      <p:cBhvr>
-                                        <p:cTn id="56" dur="1" fill="hold">
-                                          <p:stCondLst>
-                                            <p:cond delay="0"/>
-                                          </p:stCondLst>
-                                        </p:cTn>
-                                        <p:tgtEl>
-                                          <p:spTgt spid="15"/>
-                                        </p:tgtEl>
-                                        <p:attrNameLst>
-                                          <p:attrName>style.visibility</p:attrName>
-                                        </p:attrNameLst>
-                                      </p:cBhvr>
-                                      <p:to>
-                                        <p:strVal val="visible"/>
-                                      </p:to>
-                                    </p:set>
-                                    <p:animEffect transition="in" filter="fade">
-                                      <p:cBhvr>
-                                        <p:cTn id="57" dur="1000"/>
-                                        <p:tgtEl>
-                                          <p:spTgt spid="15"/>
-                                        </p:tgtEl>
-                                      </p:cBhvr>
-                                    </p:animEffect>
-                                    <p:anim calcmode="lin" valueType="num">
-                                      <p:cBhvr>
-                                        <p:cTn id="58" dur="1000" fill="hold"/>
-                                        <p:tgtEl>
-                                          <p:spTgt spid="15"/>
-                                        </p:tgtEl>
-                                        <p:attrNameLst>
-                                          <p:attrName>ppt_x</p:attrName>
-                                        </p:attrNameLst>
-                                      </p:cBhvr>
-                                      <p:tavLst>
-                                        <p:tav tm="0">
-                                          <p:val>
-                                            <p:strVal val="#ppt_x"/>
-                                          </p:val>
-                                        </p:tav>
-                                        <p:tav tm="100000">
-                                          <p:val>
-                                            <p:strVal val="#ppt_x"/>
-                                          </p:val>
-                                        </p:tav>
-                                      </p:tavLst>
-                                    </p:anim>
-                                    <p:anim calcmode="lin" valueType="num">
-                                      <p:cBhvr>
-                                        <p:cTn id="59" dur="1000" fill="hold"/>
+                                        <p:cTn id="57" dur="1000" fill="hold"/>
                                         <p:tgtEl>
                                           <p:spTgt spid="15"/>
                                         </p:tgtEl>
@@ -9491,7 +9473,7 @@
         </p:nvSpPr>
         <p:spPr>
           <a:xfrm>
-            <a:off x="3902150" y="4784651"/>
+            <a:off x="3902150" y="4630541"/>
             <a:ext cx="1722474" cy="1041991"/>
           </a:xfrm>
           <a:prstGeom prst="roundRect">
@@ -9899,30 +9881,21 @@
                             </p:childTnLst>
                           </p:cTn>
                         </p:par>
-                      </p:childTnLst>
-                    </p:cTn>
-                  </p:par>
-                  <p:par>
-                    <p:cTn id="11" fill="hold">
-                      <p:stCondLst>
-                        <p:cond delay="indefinite"/>
-                      </p:stCondLst>
-                      <p:childTnLst>
                         <p:par>
-                          <p:cTn id="12" fill="hold">
+                          <p:cTn id="11" fill="hold">
                             <p:stCondLst>
                               <p:cond delay="0"/>
                             </p:stCondLst>
                             <p:childTnLst>
                               <p:par>
-                                <p:cTn id="13" presetID="42" presetClass="entr" presetSubtype="0" fill="hold" grpId="0" nodeType="clickEffect">
+                                <p:cTn id="12" presetID="42" presetClass="entr" presetSubtype="0" fill="hold" grpId="0" nodeType="afterEffect">
                                   <p:stCondLst>
                                     <p:cond delay="0"/>
                                   </p:stCondLst>
                                   <p:childTnLst>
                                     <p:set>
                                       <p:cBhvr>
-                                        <p:cTn id="14" dur="1" fill="hold">
+                                        <p:cTn id="13" dur="1" fill="hold">
                                           <p:stCondLst>
                                             <p:cond delay="0"/>
                                           </p:stCondLst>
@@ -9940,7 +9913,7 @@
                                     </p:set>
                                     <p:animEffect transition="in" filter="fade">
                                       <p:cBhvr>
-                                        <p:cTn id="15" dur="1000"/>
+                                        <p:cTn id="14" dur="2000"/>
                                         <p:tgtEl>
                                           <p:spTgt spid="6"/>
                                         </p:tgtEl>
@@ -9948,7 +9921,7 @@
                                     </p:animEffect>
                                     <p:anim calcmode="lin" valueType="num">
                                       <p:cBhvr>
-                                        <p:cTn id="16" dur="1000" fill="hold"/>
+                                        <p:cTn id="15" dur="2000" fill="hold"/>
                                         <p:tgtEl>
                                           <p:spTgt spid="6"/>
                                         </p:tgtEl>
@@ -9971,7 +9944,7 @@
                                     </p:anim>
                                     <p:anim calcmode="lin" valueType="num">
                                       <p:cBhvr>
-                                        <p:cTn id="17" dur="1000" fill="hold"/>
+                                        <p:cTn id="16" dur="2000" fill="hold"/>
                                         <p:tgtEl>
                                           <p:spTgt spid="6"/>
                                         </p:tgtEl>
@@ -10002,26 +9975,26 @@
                     </p:cTn>
                   </p:par>
                   <p:par>
-                    <p:cTn id="18" fill="hold">
+                    <p:cTn id="17" fill="hold">
                       <p:stCondLst>
                         <p:cond delay="indefinite"/>
                       </p:stCondLst>
                       <p:childTnLst>
                         <p:par>
-                          <p:cTn id="19" fill="hold">
+                          <p:cTn id="18" fill="hold">
                             <p:stCondLst>
                               <p:cond delay="0"/>
                             </p:stCondLst>
                             <p:childTnLst>
                               <p:par>
-                                <p:cTn id="20" presetID="1" presetClass="entr" presetSubtype="0" fill="hold" nodeType="clickEffect">
+                                <p:cTn id="19" presetID="1" presetClass="entr" presetSubtype="0" fill="hold" nodeType="clickEffect">
                                   <p:stCondLst>
                                     <p:cond delay="0"/>
                                   </p:stCondLst>
                                   <p:childTnLst>
                                     <p:set>
                                       <p:cBhvr>
-                                        <p:cTn id="21" dur="1" fill="hold">
+                                        <p:cTn id="20" dur="1" fill="hold">
                                           <p:stCondLst>
                                             <p:cond delay="0"/>
                                           </p:stCondLst>
@@ -10045,14 +10018,14 @@
                                 </p:cTn>
                               </p:par>
                               <p:par>
-                                <p:cTn id="22" presetID="1" presetClass="entr" presetSubtype="0" fill="hold" nodeType="withEffect">
+                                <p:cTn id="21" presetID="1" presetClass="entr" presetSubtype="0" fill="hold" nodeType="withEffect">
                                   <p:stCondLst>
                                     <p:cond delay="0"/>
                                   </p:stCondLst>
                                   <p:childTnLst>
                                     <p:set>
                                       <p:cBhvr>
-                                        <p:cTn id="23" dur="1" fill="hold">
+                                        <p:cTn id="22" dur="1" fill="hold">
                                           <p:stCondLst>
                                             <p:cond delay="0"/>
                                           </p:stCondLst>
@@ -10075,33 +10048,15 @@
                                   </p:childTnLst>
                                 </p:cTn>
                               </p:par>
-                            </p:childTnLst>
-                          </p:cTn>
-                        </p:par>
-                      </p:childTnLst>
-                    </p:cTn>
-                  </p:par>
-                  <p:par>
-                    <p:cTn id="24" fill="hold">
-                      <p:stCondLst>
-                        <p:cond delay="indefinite"/>
-                      </p:stCondLst>
-                      <p:childTnLst>
-                        <p:par>
-                          <p:cTn id="25" fill="hold">
-                            <p:stCondLst>
-                              <p:cond delay="0"/>
-                            </p:stCondLst>
-                            <p:childTnLst>
                               <p:par>
-                                <p:cTn id="26" presetID="2" presetClass="entr" presetSubtype="4" fill="hold" grpId="0" nodeType="clickEffect">
+                                <p:cTn id="23" presetID="2" presetClass="entr" presetSubtype="4" fill="hold" grpId="0" nodeType="withEffect">
                                   <p:stCondLst>
                                     <p:cond delay="0"/>
                                   </p:stCondLst>
                                   <p:childTnLst>
                                     <p:set>
                                       <p:cBhvr>
-                                        <p:cTn id="27" dur="1" fill="hold">
+                                        <p:cTn id="24" dur="1" fill="hold">
                                           <p:stCondLst>
                                             <p:cond delay="0"/>
                                           </p:stCondLst>
@@ -10119,7 +10074,7 @@
                                     </p:set>
                                     <p:anim calcmode="lin" valueType="num">
                                       <p:cBhvr additive="base">
-                                        <p:cTn id="28" dur="1000" fill="hold"/>
+                                        <p:cTn id="25" dur="2000" fill="hold"/>
                                         <p:tgtEl>
                                           <p:spTgt spid="7"/>
                                         </p:tgtEl>
@@ -10142,7 +10097,7 @@
                                     </p:anim>
                                     <p:anim calcmode="lin" valueType="num">
                                       <p:cBhvr additive="base">
-                                        <p:cTn id="29" dur="1000" fill="hold"/>
+                                        <p:cTn id="26" dur="2000" fill="hold"/>
                                         <p:tgtEl>
                                           <p:spTgt spid="7"/>
                                         </p:tgtEl>
@@ -10173,26 +10128,26 @@
                     </p:cTn>
                   </p:par>
                   <p:par>
-                    <p:cTn id="30" fill="hold">
+                    <p:cTn id="27" fill="hold">
                       <p:stCondLst>
                         <p:cond delay="indefinite"/>
                       </p:stCondLst>
                       <p:childTnLst>
                         <p:par>
-                          <p:cTn id="31" fill="hold">
+                          <p:cTn id="28" fill="hold">
                             <p:stCondLst>
                               <p:cond delay="0"/>
                             </p:stCondLst>
                             <p:childTnLst>
                               <p:par>
-                                <p:cTn id="32" presetID="1" presetClass="entr" presetSubtype="0" fill="hold" nodeType="clickEffect">
+                                <p:cTn id="29" presetID="1" presetClass="entr" presetSubtype="0" fill="hold" nodeType="clickEffect">
                                   <p:stCondLst>
                                     <p:cond delay="0"/>
                                   </p:stCondLst>
                                   <p:childTnLst>
                                     <p:set>
                                       <p:cBhvr>
-                                        <p:cTn id="33" dur="1" fill="hold">
+                                        <p:cTn id="30" dur="1" fill="hold">
                                           <p:stCondLst>
                                             <p:cond delay="0"/>
                                           </p:stCondLst>
@@ -10215,33 +10170,15 @@
                                   </p:childTnLst>
                                 </p:cTn>
                               </p:par>
-                            </p:childTnLst>
-                          </p:cTn>
-                        </p:par>
-                      </p:childTnLst>
-                    </p:cTn>
-                  </p:par>
-                  <p:par>
-                    <p:cTn id="34" fill="hold">
-                      <p:stCondLst>
-                        <p:cond delay="indefinite"/>
-                      </p:stCondLst>
-                      <p:childTnLst>
-                        <p:par>
-                          <p:cTn id="35" fill="hold">
-                            <p:stCondLst>
-                              <p:cond delay="0"/>
-                            </p:stCondLst>
-                            <p:childTnLst>
                               <p:par>
-                                <p:cTn id="36" presetID="2" presetClass="entr" presetSubtype="4" fill="hold" grpId="0" nodeType="clickEffect">
+                                <p:cTn id="31" presetID="2" presetClass="entr" presetSubtype="4" fill="hold" grpId="0" nodeType="withEffect">
                                   <p:stCondLst>
                                     <p:cond delay="0"/>
                                   </p:stCondLst>
                                   <p:childTnLst>
                                     <p:set>
                                       <p:cBhvr>
-                                        <p:cTn id="37" dur="1" fill="hold">
+                                        <p:cTn id="32" dur="1" fill="hold">
                                           <p:stCondLst>
                                             <p:cond delay="0"/>
                                           </p:stCondLst>
@@ -10259,7 +10196,7 @@
                                     </p:set>
                                     <p:anim calcmode="lin" valueType="num">
                                       <p:cBhvr additive="base">
-                                        <p:cTn id="38" dur="1000" fill="hold"/>
+                                        <p:cTn id="33" dur="2000" fill="hold"/>
                                         <p:tgtEl>
                                           <p:spTgt spid="8"/>
                                         </p:tgtEl>
@@ -10282,7 +10219,7 @@
                                     </p:anim>
                                     <p:anim calcmode="lin" valueType="num">
                                       <p:cBhvr additive="base">
-                                        <p:cTn id="39" dur="1000" fill="hold"/>
+                                        <p:cTn id="34" dur="2000" fill="hold"/>
                                         <p:tgtEl>
                                           <p:spTgt spid="8"/>
                                         </p:tgtEl>
@@ -10313,26 +10250,26 @@
                     </p:cTn>
                   </p:par>
                   <p:par>
-                    <p:cTn id="40" fill="hold">
+                    <p:cTn id="35" fill="hold">
                       <p:stCondLst>
                         <p:cond delay="indefinite"/>
                       </p:stCondLst>
                       <p:childTnLst>
                         <p:par>
-                          <p:cTn id="41" fill="hold">
+                          <p:cTn id="36" fill="hold">
                             <p:stCondLst>
                               <p:cond delay="0"/>
                             </p:stCondLst>
                             <p:childTnLst>
                               <p:par>
-                                <p:cTn id="42" presetID="1" presetClass="entr" presetSubtype="0" fill="hold" nodeType="clickEffect">
+                                <p:cTn id="37" presetID="1" presetClass="entr" presetSubtype="0" fill="hold" nodeType="clickEffect">
                                   <p:stCondLst>
                                     <p:cond delay="0"/>
                                   </p:stCondLst>
                                   <p:childTnLst>
                                     <p:set>
                                       <p:cBhvr>
-                                        <p:cTn id="43" dur="1" fill="hold">
+                                        <p:cTn id="38" dur="1" fill="hold">
                                           <p:stCondLst>
                                             <p:cond delay="0"/>
                                           </p:stCondLst>
@@ -10362,26 +10299,26 @@
                     </p:cTn>
                   </p:par>
                   <p:par>
-                    <p:cTn id="44" fill="hold">
+                    <p:cTn id="39" fill="hold">
                       <p:stCondLst>
                         <p:cond delay="indefinite"/>
                       </p:stCondLst>
                       <p:childTnLst>
                         <p:par>
-                          <p:cTn id="45" fill="hold">
+                          <p:cTn id="40" fill="hold">
                             <p:stCondLst>
                               <p:cond delay="0"/>
                             </p:stCondLst>
                             <p:childTnLst>
                               <p:par>
-                                <p:cTn id="46" presetID="1" presetClass="entr" presetSubtype="0" fill="hold" nodeType="clickEffect">
+                                <p:cTn id="41" presetID="1" presetClass="entr" presetSubtype="0" fill="hold" nodeType="clickEffect">
                                   <p:stCondLst>
                                     <p:cond delay="0"/>
                                   </p:stCondLst>
                                   <p:childTnLst>
                                     <p:set>
                                       <p:cBhvr>
-                                        <p:cTn id="47" dur="1" fill="hold">
+                                        <p:cTn id="42" dur="1" fill="hold">
                                           <p:stCondLst>
                                             <p:cond delay="0"/>
                                           </p:stCondLst>
@@ -10404,33 +10341,15 @@
                                   </p:childTnLst>
                                 </p:cTn>
                               </p:par>
-                            </p:childTnLst>
-                          </p:cTn>
-                        </p:par>
-                      </p:childTnLst>
-                    </p:cTn>
-                  </p:par>
-                  <p:par>
-                    <p:cTn id="48" fill="hold">
-                      <p:stCondLst>
-                        <p:cond delay="indefinite"/>
-                      </p:stCondLst>
-                      <p:childTnLst>
-                        <p:par>
-                          <p:cTn id="49" fill="hold">
-                            <p:stCondLst>
-                              <p:cond delay="0"/>
-                            </p:stCondLst>
-                            <p:childTnLst>
                               <p:par>
-                                <p:cTn id="50" presetID="42" presetClass="entr" presetSubtype="0" fill="hold" nodeType="clickEffect">
+                                <p:cTn id="43" presetID="42" presetClass="entr" presetSubtype="0" fill="hold" nodeType="withEffect">
                                   <p:stCondLst>
                                     <p:cond delay="0"/>
                                   </p:stCondLst>
                                   <p:childTnLst>
                                     <p:set>
                                       <p:cBhvr>
-                                        <p:cTn id="51" dur="1" fill="hold">
+                                        <p:cTn id="44" dur="1" fill="hold">
                                           <p:stCondLst>
                                             <p:cond delay="0"/>
                                           </p:stCondLst>
@@ -10448,7 +10367,7 @@
                                     </p:set>
                                     <p:animEffect transition="in" filter="fade">
                                       <p:cBhvr>
-                                        <p:cTn id="52" dur="1000"/>
+                                        <p:cTn id="45" dur="2000"/>
                                         <p:tgtEl>
                                           <p:spTgt spid="10"/>
                                         </p:tgtEl>
@@ -10456,7 +10375,7 @@
                                     </p:animEffect>
                                     <p:anim calcmode="lin" valueType="num">
                                       <p:cBhvr>
-                                        <p:cTn id="53" dur="1000" fill="hold"/>
+                                        <p:cTn id="46" dur="2000" fill="hold"/>
                                         <p:tgtEl>
                                           <p:spTgt spid="10"/>
                                         </p:tgtEl>
@@ -10479,9 +10398,180 @@
                                     </p:anim>
                                     <p:anim calcmode="lin" valueType="num">
                                       <p:cBhvr>
-                                        <p:cTn id="54" dur="1000" fill="hold"/>
+                                        <p:cTn id="47" dur="2000" fill="hold"/>
                                         <p:tgtEl>
                                           <p:spTgt spid="10"/>
+                                        </p:tgtEl>
+                                        <p:attrNameLst>
+                                          <p:attrName>ppt_y</p:attrName>
+                                        </p:attrNameLst>
+                                      </p:cBhvr>
+                                      <p:tavLst>
+                                        <p:tav tm="0">
+                                          <p:val>
+                                            <p:strVal val="#ppt_y+.1"/>
+                                          </p:val>
+                                        </p:tav>
+                                        <p:tav tm="100000">
+                                          <p:val>
+                                            <p:strVal val="#ppt_y"/>
+                                          </p:val>
+                                        </p:tav>
+                                      </p:tavLst>
+                                    </p:anim>
+                                  </p:childTnLst>
+                                </p:cTn>
+                              </p:par>
+                            </p:childTnLst>
+                          </p:cTn>
+                        </p:par>
+                        <p:par>
+                          <p:cTn id="48" fill="hold">
+                            <p:stCondLst>
+                              <p:cond delay="2000"/>
+                            </p:stCondLst>
+                            <p:childTnLst>
+                              <p:par>
+                                <p:cTn id="49" presetID="42" presetClass="entr" presetSubtype="0" fill="hold" nodeType="afterEffect">
+                                  <p:stCondLst>
+                                    <p:cond delay="0"/>
+                                  </p:stCondLst>
+                                  <p:childTnLst>
+                                    <p:set>
+                                      <p:cBhvr>
+                                        <p:cTn id="50" dur="1" fill="hold">
+                                          <p:stCondLst>
+                                            <p:cond delay="0"/>
+                                          </p:stCondLst>
+                                        </p:cTn>
+                                        <p:tgtEl>
+                                          <p:spTgt spid="12"/>
+                                        </p:tgtEl>
+                                        <p:attrNameLst>
+                                          <p:attrName>style.visibility</p:attrName>
+                                        </p:attrNameLst>
+                                      </p:cBhvr>
+                                      <p:to>
+                                        <p:strVal val="visible"/>
+                                      </p:to>
+                                    </p:set>
+                                    <p:animEffect transition="in" filter="fade">
+                                      <p:cBhvr>
+                                        <p:cTn id="51" dur="2000"/>
+                                        <p:tgtEl>
+                                          <p:spTgt spid="12"/>
+                                        </p:tgtEl>
+                                      </p:cBhvr>
+                                    </p:animEffect>
+                                    <p:anim calcmode="lin" valueType="num">
+                                      <p:cBhvr>
+                                        <p:cTn id="52" dur="2000" fill="hold"/>
+                                        <p:tgtEl>
+                                          <p:spTgt spid="12"/>
+                                        </p:tgtEl>
+                                        <p:attrNameLst>
+                                          <p:attrName>ppt_x</p:attrName>
+                                        </p:attrNameLst>
+                                      </p:cBhvr>
+                                      <p:tavLst>
+                                        <p:tav tm="0">
+                                          <p:val>
+                                            <p:strVal val="#ppt_x"/>
+                                          </p:val>
+                                        </p:tav>
+                                        <p:tav tm="100000">
+                                          <p:val>
+                                            <p:strVal val="#ppt_x"/>
+                                          </p:val>
+                                        </p:tav>
+                                      </p:tavLst>
+                                    </p:anim>
+                                    <p:anim calcmode="lin" valueType="num">
+                                      <p:cBhvr>
+                                        <p:cTn id="53" dur="2000" fill="hold"/>
+                                        <p:tgtEl>
+                                          <p:spTgt spid="12"/>
+                                        </p:tgtEl>
+                                        <p:attrNameLst>
+                                          <p:attrName>ppt_y</p:attrName>
+                                        </p:attrNameLst>
+                                      </p:cBhvr>
+                                      <p:tavLst>
+                                        <p:tav tm="0">
+                                          <p:val>
+                                            <p:strVal val="#ppt_y+.1"/>
+                                          </p:val>
+                                        </p:tav>
+                                        <p:tav tm="100000">
+                                          <p:val>
+                                            <p:strVal val="#ppt_y"/>
+                                          </p:val>
+                                        </p:tav>
+                                      </p:tavLst>
+                                    </p:anim>
+                                  </p:childTnLst>
+                                </p:cTn>
+                              </p:par>
+                              <p:par>
+                                <p:cTn id="54" presetID="42" presetClass="entr" presetSubtype="0" fill="hold" nodeType="withEffect">
+                                  <p:stCondLst>
+                                    <p:cond delay="0"/>
+                                  </p:stCondLst>
+                                  <p:childTnLst>
+                                    <p:set>
+                                      <p:cBhvr>
+                                        <p:cTn id="55" dur="1" fill="hold">
+                                          <p:stCondLst>
+                                            <p:cond delay="0"/>
+                                          </p:stCondLst>
+                                        </p:cTn>
+                                        <p:tgtEl>
+                                          <p:spTgt spid="11"/>
+                                        </p:tgtEl>
+                                        <p:attrNameLst>
+                                          <p:attrName>style.visibility</p:attrName>
+                                        </p:attrNameLst>
+                                      </p:cBhvr>
+                                      <p:to>
+                                        <p:strVal val="visible"/>
+                                      </p:to>
+                                    </p:set>
+                                    <p:animEffect transition="in" filter="fade">
+                                      <p:cBhvr>
+                                        <p:cTn id="56" dur="2000"/>
+                                        <p:tgtEl>
+                                          <p:spTgt spid="11"/>
+                                        </p:tgtEl>
+                                      </p:cBhvr>
+                                    </p:animEffect>
+                                    <p:anim calcmode="lin" valueType="num">
+                                      <p:cBhvr>
+                                        <p:cTn id="57" dur="2000" fill="hold"/>
+                                        <p:tgtEl>
+                                          <p:spTgt spid="11"/>
+                                        </p:tgtEl>
+                                        <p:attrNameLst>
+                                          <p:attrName>ppt_x</p:attrName>
+                                        </p:attrNameLst>
+                                      </p:cBhvr>
+                                      <p:tavLst>
+                                        <p:tav tm="0">
+                                          <p:val>
+                                            <p:strVal val="#ppt_x"/>
+                                          </p:val>
+                                        </p:tav>
+                                        <p:tav tm="100000">
+                                          <p:val>
+                                            <p:strVal val="#ppt_x"/>
+                                          </p:val>
+                                        </p:tav>
+                                      </p:tavLst>
+                                    </p:anim>
+                                    <p:anim calcmode="lin" valueType="num">
+                                      <p:cBhvr>
+                                        <p:cTn id="58" dur="2000" fill="hold"/>
+                                        <p:tgtEl>
+                                          <p:spTgt spid="11"/>
                                         </p:tgtEl>
                                         <p:attrNameLst>
                                           <p:attrName>ppt_y</p:attrName>
@@ -10510,32 +10600,36 @@
                     </p:cTn>
                   </p:par>
                   <p:par>
-                    <p:cTn id="55" fill="hold">
+                    <p:cTn id="59" fill="hold">
                       <p:stCondLst>
                         <p:cond delay="indefinite"/>
                       </p:stCondLst>
                       <p:childTnLst>
                         <p:par>
-                          <p:cTn id="56" fill="hold">
+                          <p:cTn id="60" fill="hold">
                             <p:stCondLst>
                               <p:cond delay="0"/>
                             </p:stCondLst>
                             <p:childTnLst>
                               <p:par>
-                                <p:cTn id="57" presetID="42" presetClass="entr" presetSubtype="0" fill="hold" nodeType="clickEffect">
+                                <p:cTn id="61" presetID="1" presetClass="entr" presetSubtype="0" fill="hold" nodeType="clickEffect">
                                   <p:stCondLst>
                                     <p:cond delay="0"/>
                                   </p:stCondLst>
                                   <p:childTnLst>
                                     <p:set>
                                       <p:cBhvr>
-                                        <p:cTn id="58" dur="1" fill="hold">
+                                        <p:cTn id="62" dur="1" fill="hold">
                                           <p:stCondLst>
                                             <p:cond delay="0"/>
                                           </p:stCondLst>
                                         </p:cTn>
                                         <p:tgtEl>
-                                          <p:spTgt spid="12"/>
+                                          <p:spTgt spid="3">
+                                            <p:txEl>
+                                              <p:pRg st="8" end="8"/>
+                                            </p:txEl>
+                                          </p:spTgt>
                                         </p:tgtEl>
                                         <p:attrNameLst>
                                           <p:attrName>style.visibility</p:attrName>
@@ -10545,19 +10639,47 @@
                                         <p:strVal val="visible"/>
                                       </p:to>
                                     </p:set>
-                                    <p:animEffect transition="in" filter="fade">
-                                      <p:cBhvr>
-                                        <p:cTn id="59" dur="1000"/>
-                                        <p:tgtEl>
-                                          <p:spTgt spid="12"/>
-                                        </p:tgtEl>
-                                      </p:cBhvr>
-                                    </p:animEffect>
+                                  </p:childTnLst>
+                                </p:cTn>
+                              </p:par>
+                            </p:childTnLst>
+                          </p:cTn>
+                        </p:par>
+                        <p:par>
+                          <p:cTn id="63" fill="hold">
+                            <p:stCondLst>
+                              <p:cond delay="0"/>
+                            </p:stCondLst>
+                            <p:childTnLst>
+                              <p:par>
+                                <p:cTn id="64" presetID="2" presetClass="entr" presetSubtype="4" fill="hold" nodeType="afterEffect">
+                                  <p:stCondLst>
+                                    <p:cond delay="0"/>
+                                  </p:stCondLst>
+                                  <p:childTnLst>
+                                    <p:set>
+                                      <p:cBhvr>
+                                        <p:cTn id="65" dur="1" fill="hold">
+                                          <p:stCondLst>
+                                            <p:cond delay="0"/>
+                                          </p:stCondLst>
+                                        </p:cTn>
+                                        <p:tgtEl>
+                                          <p:spTgt spid="19"/>
+                                        </p:tgtEl>
+                                        <p:attrNameLst>
+                                          <p:attrName>style.visibility</p:attrName>
+                                        </p:attrNameLst>
+                                      </p:cBhvr>
+                                      <p:to>
+                                        <p:strVal val="visible"/>
+                                      </p:to>
+                                    </p:set>
                                     <p:anim calcmode="lin" valueType="num">
-                                      <p:cBhvr>
-                                        <p:cTn id="60" dur="1000" fill="hold"/>
-                                        <p:tgtEl>
-                                          <p:spTgt spid="12"/>
+                                      <p:cBhvr additive="base">
+                                        <p:cTn id="66" dur="1500" fill="hold"/>
+                                        <p:tgtEl>
+                                          <p:spTgt spid="19"/>
                                         </p:tgtEl>
                                         <p:attrNameLst>
                                           <p:attrName>ppt_x</p:attrName>
@@ -10577,10 +10699,10 @@
                                       </p:tavLst>
                                     </p:anim>
                                     <p:anim calcmode="lin" valueType="num">
-                                      <p:cBhvr>
-                                        <p:cTn id="61" dur="1000" fill="hold"/>
-                                        <p:tgtEl>
-                                          <p:spTgt spid="12"/>
+                                      <p:cBhvr additive="base">
+                                        <p:cTn id="67" dur="1500" fill="hold"/>
+                                        <p:tgtEl>
+                                          <p:spTgt spid="19"/>
                                         </p:tgtEl>
                                         <p:attrNameLst>
                                           <p:attrName>ppt_y</p:attrName>
@@ -10589,7 +10711,7 @@
                                       <p:tavLst>
                                         <p:tav tm="0">
                                           <p:val>
-                                            <p:strVal val="#ppt_y+.1"/>
+                                            <p:strVal val="1+#ppt_h/2"/>
                                           </p:val>
                                         </p:tav>
                                         <p:tav tm="100000">
@@ -10609,32 +10731,72 @@
                     </p:cTn>
                   </p:par>
                   <p:par>
-                    <p:cTn id="62" fill="hold">
+                    <p:cTn id="68" fill="hold">
                       <p:stCondLst>
                         <p:cond delay="indefinite"/>
                       </p:stCondLst>
                       <p:childTnLst>
                         <p:par>
-                          <p:cTn id="63" fill="hold">
+                          <p:cTn id="69" fill="hold">
                             <p:stCondLst>
                               <p:cond delay="0"/>
                             </p:stCondLst>
                             <p:childTnLst>
                               <p:par>
-                                <p:cTn id="64" presetID="42" presetClass="entr" presetSubtype="0" fill="hold" nodeType="clickEffect">
+                                <p:cTn id="70" presetID="1" presetClass="entr" presetSubtype="0" fill="hold" nodeType="clickEffect">
                                   <p:stCondLst>
                                     <p:cond delay="0"/>
                                   </p:stCondLst>
                                   <p:childTnLst>
                                     <p:set>
                                       <p:cBhvr>
-                                        <p:cTn id="65" dur="1" fill="hold">
+                                        <p:cTn id="71" dur="1" fill="hold">
                                           <p:stCondLst>
                                             <p:cond delay="0"/>
                                           </p:stCondLst>
                                         </p:cTn>
                                         <p:tgtEl>
-                                          <p:spTgt spid="11"/>
+                                          <p:spTgt spid="3">
+                                            <p:txEl>
+                                              <p:pRg st="9" end="9"/>
+                                            </p:txEl>
+                                          </p:spTgt>
+                                        </p:tgtEl>
+                                        <p:attrNameLst>
+                                          <p:attrName>style.visibility</p:attrName>
+                                        </p:attrNameLst>
+                                      </p:cBhvr>
+                                      <p:to>
+                                        <p:strVal val="visible"/>
+                                      </p:to>
+                                    </p:set>
+                                  </p:childTnLst>
+                                </p:cTn>
+                              </p:par>
+                            </p:childTnLst>
+                          </p:cTn>
+                        </p:par>
+                        <p:par>
+                          <p:cTn id="72" fill="hold">
+                            <p:stCondLst>
+                              <p:cond delay="0"/>
+                            </p:stCondLst>
+                            <p:childTnLst>
+                              <p:par>
+                                <p:cTn id="73" presetID="42" presetClass="entr" presetSubtype="0" fill="hold" nodeType="afterEffect">
+                                  <p:stCondLst>
+                                    <p:cond delay="0"/>
+                                  </p:stCondLst>
+                                  <p:childTnLst>
+                                    <p:set>
+                                      <p:cBhvr>
+                                        <p:cTn id="74" dur="1" fill="hold">
+                                          <p:stCondLst>
+                                            <p:cond delay="0"/>
+                                          </p:stCondLst>
+                                        </p:cTn>
+                                        <p:tgtEl>
+                                          <p:spTgt spid="16"/>
                                         </p:tgtEl>
                                         <p:attrNameLst>
                                           <p:attrName>style.visibility</p:attrName>
@@ -10646,17 +10808,17 @@
                                     </p:set>
                                     <p:animEffect transition="in" filter="fade">
                                       <p:cBhvr>
-                                        <p:cTn id="66" dur="1000"/>
-                                        <p:tgtEl>
-                                          <p:spTgt spid="11"/>
+                                        <p:cTn id="75" dur="1500"/>
+                                        <p:tgtEl>
+                                          <p:spTgt spid="16"/>
                                         </p:tgtEl>
                                       </p:cBhvr>
                                     </p:animEffect>
                                     <p:anim calcmode="lin" valueType="num">
                                       <p:cBhvr>
-                                        <p:cTn id="67" dur="1000" fill="hold"/>
-                                        <p:tgtEl>
-                                          <p:spTgt spid="11"/>
+                                        <p:cTn id="76" dur="1500" fill="hold"/>
+                                        <p:tgtEl>
+                                          <p:spTgt spid="16"/>
                                         </p:tgtEl>
                                         <p:attrNameLst>
                                           <p:attrName>ppt_x</p:attrName>
@@ -10677,303 +10839,7 @@
                                     </p:anim>
                                     <p:anim calcmode="lin" valueType="num">
                                       <p:cBhvr>
-                                        <p:cTn id="68" dur="1000" fill="hold"/>
-                                        <p:tgtEl>
-                                          <p:spTgt spid="11"/>
-                                        </p:tgtEl>
-                                        <p:attrNameLst>
-                                          <p:attrName>ppt_y</p:attrName>
-                                        </p:attrNameLst>
-                                      </p:cBhvr>
-                                      <p:tavLst>
-                                        <p:tav tm="0">
-                                          <p:val>
-                                            <p:strVal val="#ppt_y+.1"/>
-                                          </p:val>
-                                        </p:tav>
-                                        <p:tav tm="100000">
-                                          <p:val>
-                                            <p:strVal val="#ppt_y"/>
-                                          </p:val>
-                                        </p:tav>
-                                      </p:tavLst>
-                                    </p:anim>
-                                  </p:childTnLst>
-                                </p:cTn>
-                              </p:par>
-                            </p:childTnLst>
-                          </p:cTn>
-                        </p:par>
-                      </p:childTnLst>
-                    </p:cTn>
-                  </p:par>
-                  <p:par>
-                    <p:cTn id="69" fill="hold">
-                      <p:stCondLst>
-                        <p:cond delay="indefinite"/>
-                      </p:stCondLst>
-                      <p:childTnLst>
-                        <p:par>
-                          <p:cTn id="70" fill="hold">
-                            <p:stCondLst>
-                              <p:cond delay="0"/>
-                            </p:stCondLst>
-                            <p:childTnLst>
-                              <p:par>
-                                <p:cTn id="71" presetID="1" presetClass="entr" presetSubtype="0" fill="hold" nodeType="clickEffect">
-                                  <p:stCondLst>
-                                    <p:cond delay="0"/>
-                                  </p:stCondLst>
-                                  <p:childTnLst>
-                                    <p:set>
-                                      <p:cBhvr>
-                                        <p:cTn id="72" dur="1" fill="hold">
-                                          <p:stCondLst>
-                                            <p:cond delay="0"/>
-                                          </p:stCondLst>
-                                        </p:cTn>
-                                        <p:tgtEl>
-                                          <p:spTgt spid="3">
-                                            <p:txEl>
-                                              <p:pRg st="8" end="8"/>
-                                            </p:txEl>
-                                          </p:spTgt>
-                                        </p:tgtEl>
-                                        <p:attrNameLst>
-                                          <p:attrName>style.visibility</p:attrName>
-                                        </p:attrNameLst>
-                                      </p:cBhvr>
-                                      <p:to>
-                                        <p:strVal val="visible"/>
-                                      </p:to>
-                                    </p:set>
-                                  </p:childTnLst>
-                                </p:cTn>
-                              </p:par>
-                            </p:childTnLst>
-                          </p:cTn>
-                        </p:par>
-                      </p:childTnLst>
-                    </p:cTn>
-                  </p:par>
-                  <p:par>
-                    <p:cTn id="73" fill="hold">
-                      <p:stCondLst>
-                        <p:cond delay="indefinite"/>
-                      </p:stCondLst>
-                      <p:childTnLst>
-                        <p:par>
-                          <p:cTn id="74" fill="hold">
-                            <p:stCondLst>
-                              <p:cond delay="0"/>
-                            </p:stCondLst>
-                            <p:childTnLst>
-                              <p:par>
-                                <p:cTn id="75" presetID="42" presetClass="entr" presetSubtype="0" fill="hold" nodeType="clickEffect">
-                                  <p:stCondLst>
-                                    <p:cond delay="0"/>
-                                  </p:stCondLst>
-                                  <p:childTnLst>
-                                    <p:set>
-                                      <p:cBhvr>
-                                        <p:cTn id="76" dur="1" fill="hold">
-                                          <p:stCondLst>
-                                            <p:cond delay="0"/>
-                                          </p:stCondLst>
-                                        </p:cTn>
-                                        <p:tgtEl>
-                                          <p:spTgt spid="19"/>
-                                        </p:tgtEl>
-                                        <p:attrNameLst>
-                                          <p:attrName>style.visibility</p:attrName>
-                                        </p:attrNameLst>
-                                      </p:cBhvr>
-                                      <p:to>
-                                        <p:strVal val="visible"/>
-                                      </p:to>
-                                    </p:set>
-                                    <p:animEffect transition="in" filter="fade">
-                                      <p:cBhvr>
-                                        <p:cTn id="77" dur="1000"/>
-                                        <p:tgtEl>
-                                          <p:spTgt spid="19"/>
-                                        </p:tgtEl>
-                                      </p:cBhvr>
-                                    </p:animEffect>
-                                    <p:anim calcmode="lin" valueType="num">
-                                      <p:cBhvr>
-                                        <p:cTn id="78" dur="1000" fill="hold"/>
-                                        <p:tgtEl>
-                                          <p:spTgt spid="19"/>
-                                        </p:tgtEl>
-                                        <p:attrNameLst>
-                                          <p:attrName>ppt_x</p:attrName>
-                                        </p:attrNameLst>
-                                      </p:cBhvr>
-                                      <p:tavLst>
-                                        <p:tav tm="0">
-                                          <p:val>
-                                            <p:strVal val="#ppt_x"/>
-                                          </p:val>
-                                        </p:tav>
-                                        <p:tav tm="100000">
-                                          <p:val>
-                                            <p:strVal val="#ppt_x"/>
-                                          </p:val>
-                                        </p:tav>
-                                      </p:tavLst>
-                                    </p:anim>
-                                    <p:anim calcmode="lin" valueType="num">
-                                      <p:cBhvr>
-                                        <p:cTn id="79" dur="1000" fill="hold"/>
-                                        <p:tgtEl>
-                                          <p:spTgt spid="19"/>
-                                        </p:tgtEl>
-                                        <p:attrNameLst>
-                                          <p:attrName>ppt_y</p:attrName>
-                                        </p:attrNameLst>
-                                      </p:cBhvr>
-                                      <p:tavLst>
-                                        <p:tav tm="0">
-                                          <p:val>
-                                            <p:strVal val="#ppt_y+.1"/>
-                                          </p:val>
-                                        </p:tav>
-                                        <p:tav tm="100000">
-                                          <p:val>
-                                            <p:strVal val="#ppt_y"/>
-                                          </p:val>
-                                        </p:tav>
-                                      </p:tavLst>
-                                    </p:anim>
-                                  </p:childTnLst>
-                                </p:cTn>
-                              </p:par>
-                            </p:childTnLst>
-                          </p:cTn>
-                        </p:par>
-                      </p:childTnLst>
-                    </p:cTn>
-                  </p:par>
-                  <p:par>
-                    <p:cTn id="80" fill="hold">
-                      <p:stCondLst>
-                        <p:cond delay="indefinite"/>
-                      </p:stCondLst>
-                      <p:childTnLst>
-                        <p:par>
-                          <p:cTn id="81" fill="hold">
-                            <p:stCondLst>
-                              <p:cond delay="0"/>
-                            </p:stCondLst>
-                            <p:childTnLst>
-                              <p:par>
-                                <p:cTn id="82" presetID="1" presetClass="entr" presetSubtype="0" fill="hold" nodeType="clickEffect">
-                                  <p:stCondLst>
-                                    <p:cond delay="0"/>
-                                  </p:stCondLst>
-                                  <p:childTnLst>
-                                    <p:set>
-                                      <p:cBhvr>
-                                        <p:cTn id="83" dur="1" fill="hold">
-                                          <p:stCondLst>
-                                            <p:cond delay="0"/>
-                                          </p:stCondLst>
-                                        </p:cTn>
-                                        <p:tgtEl>
-                                          <p:spTgt spid="3">
-                                            <p:txEl>
-                                              <p:pRg st="9" end="9"/>
-                                            </p:txEl>
-                                          </p:spTgt>
-                                        </p:tgtEl>
-                                        <p:attrNameLst>
-                                          <p:attrName>style.visibility</p:attrName>
-                                        </p:attrNameLst>
-                                      </p:cBhvr>
-                                      <p:to>
-                                        <p:strVal val="visible"/>
-                                      </p:to>
-                                    </p:set>
-                                  </p:childTnLst>
-                                </p:cTn>
-                              </p:par>
-                            </p:childTnLst>
-                          </p:cTn>
-                        </p:par>
-                      </p:childTnLst>
-                    </p:cTn>
-                  </p:par>
-                  <p:par>
-                    <p:cTn id="84" fill="hold">
-                      <p:stCondLst>
-                        <p:cond delay="indefinite"/>
-                      </p:stCondLst>
-                      <p:childTnLst>
-                        <p:par>
-                          <p:cTn id="85" fill="hold">
-                            <p:stCondLst>
-                              <p:cond delay="0"/>
-                            </p:stCondLst>
-                            <p:childTnLst>
-                              <p:par>
-                                <p:cTn id="86" presetID="42" presetClass="entr" presetSubtype="0" fill="hold" nodeType="clickEffect">
-                                  <p:stCondLst>
-                                    <p:cond delay="0"/>
-                                  </p:stCondLst>
-                                  <p:childTnLst>
-                                    <p:set>
-                                      <p:cBhvr>
-                                        <p:cTn id="87" dur="1" fill="hold">
-                                          <p:stCondLst>
-                                            <p:cond delay="0"/>
-                                          </p:stCondLst>
-                                        </p:cTn>
-                                        <p:tgtEl>
-                                          <p:spTgt spid="16"/>
-                                        </p:tgtEl>
-                                        <p:attrNameLst>
-                                          <p:attrName>style.visibility</p:attrName>
-                                        </p:attrNameLst>
-                                      </p:cBhvr>
-                                      <p:to>
-                                        <p:strVal val="visible"/>
-                                      </p:to>
-                                    </p:set>
-                                    <p:animEffect transition="in" filter="fade">
-                                      <p:cBhvr>
-                                        <p:cTn id="88" dur="1000"/>
-                                        <p:tgtEl>
-                                          <p:spTgt spid="16"/>
-                                        </p:tgtEl>
-                                      </p:cBhvr>
-                                    </p:animEffect>
-                                    <p:anim calcmode="lin" valueType="num">
-                                      <p:cBhvr>
-                                        <p:cTn id="89" dur="1000" fill="hold"/>
-                                        <p:tgtEl>
-                                          <p:spTgt spid="16"/>
-                                        </p:tgtEl>
-                                        <p:attrNameLst>
-                                          <p:attrName>ppt_x</p:attrName>
-                                        </p:attrNameLst>
-                                      </p:cBhvr>
-                                      <p:tavLst>
-                                        <p:tav tm="0">
-                                          <p:val>
-                                            <p:strVal val="#ppt_x"/>
-                                          </p:val>
-                                        </p:tav>
-                                        <p:tav tm="100000">
-                                          <p:val>
-                                            <p:strVal val="#ppt_x"/>
-                                          </p:val>
-                                        </p:tav>
-                                      </p:tavLst>
-                                    </p:anim>
-                                    <p:anim calcmode="lin" valueType="num">
-                                      <p:cBhvr>
-                                        <p:cTn id="90" dur="1000" fill="hold"/>
+                                        <p:cTn id="77" dur="1500" fill="hold"/>
                                         <p:tgtEl>
                                           <p:spTgt spid="16"/>
                                         </p:tgtEl>
@@ -11777,30 +11643,21 @@
                             </p:childTnLst>
                           </p:cTn>
                         </p:par>
-                      </p:childTnLst>
-                    </p:cTn>
-                  </p:par>
-                  <p:par>
-                    <p:cTn id="34" fill="hold">
-                      <p:stCondLst>
-                        <p:cond delay="indefinite"/>
-                      </p:stCondLst>
-                      <p:childTnLst>
                         <p:par>
-                          <p:cTn id="35" fill="hold">
+                          <p:cTn id="34" fill="hold">
                             <p:stCondLst>
-                              <p:cond delay="0"/>
+                              <p:cond delay="1000"/>
                             </p:stCondLst>
                             <p:childTnLst>
                               <p:par>
-                                <p:cTn id="36" presetID="42" presetClass="entr" presetSubtype="0" fill="hold" grpId="0" nodeType="clickEffect">
+                                <p:cTn id="35" presetID="2" presetClass="entr" presetSubtype="4" fill="hold" grpId="0" nodeType="afterEffect">
                                   <p:stCondLst>
                                     <p:cond delay="0"/>
                                   </p:stCondLst>
                                   <p:childTnLst>
                                     <p:set>
                                       <p:cBhvr>
-                                        <p:cTn id="37" dur="1" fill="hold">
+                                        <p:cTn id="36" dur="1" fill="hold">
                                           <p:stCondLst>
                                             <p:cond delay="0"/>
                                           </p:stCondLst>
@@ -11816,17 +11673,9 @@
                                         <p:strVal val="visible"/>
                                       </p:to>
                                     </p:set>
-                                    <p:animEffect transition="in" filter="fade">
-                                      <p:cBhvr>
-                                        <p:cTn id="38" dur="1000"/>
-                                        <p:tgtEl>
-                                          <p:spTgt spid="13"/>
-                                        </p:tgtEl>
-                                      </p:cBhvr>
-                                    </p:animEffect>
                                     <p:anim calcmode="lin" valueType="num">
-                                      <p:cBhvr>
-                                        <p:cTn id="39" dur="1000" fill="hold"/>
+                                      <p:cBhvr additive="base">
+                                        <p:cTn id="37" dur="1500" fill="hold"/>
                                         <p:tgtEl>
                                           <p:spTgt spid="13"/>
                                         </p:tgtEl>
@@ -11848,8 +11697,8 @@
                                       </p:tavLst>
                                     </p:anim>
                                     <p:anim calcmode="lin" valueType="num">
-                                      <p:cBhvr>
-                                        <p:cTn id="40" dur="1000" fill="hold"/>
+                                      <p:cBhvr additive="base">
+                                        <p:cTn id="38" dur="1500" fill="hold"/>
                                         <p:tgtEl>
                                           <p:spTgt spid="13"/>
                                         </p:tgtEl>
@@ -11860,7 +11709,7 @@
                                       <p:tavLst>
                                         <p:tav tm="0">
                                           <p:val>
-                                            <p:strVal val="#ppt_y+.1"/>
+                                            <p:strVal val="1+#ppt_h/2"/>
                                           </p:val>
                                         </p:tav>
                                         <p:tav tm="100000">
@@ -12439,6 +12288,78 @@
           </a:prstGeom>
         </p:spPr>
       </p:pic>
+      <p:cxnSp>
+        <p:nvCxnSpPr>
+          <p:cNvPr id="6" name="Straight Arrow Connector 5"/>
+          <p:cNvCxnSpPr/>
+          <p:nvPr/>
+        </p:nvCxnSpPr>
+        <p:spPr>
+          <a:xfrm flipH="1" flipV="1">
+            <a:off x="9894014" y="3749326"/>
+            <a:ext cx="708916" cy="555546"/>
+          </a:xfrm>
+          <a:prstGeom prst="straightConnector1">
+            <a:avLst/>
+          </a:prstGeom>
+          <a:ln w="28575">
+            <a:solidFill>
+              <a:srgbClr val="FF0000"/>
+            </a:solidFill>
+            <a:tailEnd type="triangle"/>
+          </a:ln>
+        </p:spPr>
+        <p:style>
+          <a:lnRef idx="1">
+            <a:schemeClr val="accent1"/>
+          </a:lnRef>
+          <a:fillRef idx="0">
+            <a:schemeClr val="accent1"/>
+          </a:fillRef>
+          <a:effectRef idx="0">
+            <a:schemeClr val="accent1"/>
+          </a:effectRef>
+          <a:fontRef idx="minor">
+            <a:schemeClr val="tx1"/>
+          </a:fontRef>
+        </p:style>
+      </p:cxnSp>
+      <p:cxnSp>
+        <p:nvCxnSpPr>
+          <p:cNvPr id="14" name="Straight Arrow Connector 13"/>
+          <p:cNvCxnSpPr/>
+          <p:nvPr/>
+        </p:nvCxnSpPr>
+        <p:spPr>
+          <a:xfrm flipH="1">
+            <a:off x="10335802" y="4304872"/>
+            <a:ext cx="267129" cy="706336"/>
+          </a:xfrm>
+          <a:prstGeom prst="straightConnector1">
+            <a:avLst/>
+          </a:prstGeom>
+          <a:ln w="28575">
+            <a:solidFill>
+              <a:srgbClr val="FF0000"/>
+            </a:solidFill>
+            <a:tailEnd type="triangle"/>
+          </a:ln>
+        </p:spPr>
+        <p:style>
+          <a:lnRef idx="1">
+            <a:schemeClr val="accent1"/>
+          </a:lnRef>
+          <a:fillRef idx="0">
+            <a:schemeClr val="accent1"/>
+          </a:fillRef>
+          <a:effectRef idx="0">
+            <a:schemeClr val="accent1"/>
+          </a:effectRef>
+          <a:fontRef idx="minor">
+            <a:schemeClr val="tx1"/>
+          </a:fontRef>
+        </p:style>
+      </p:cxnSp>
     </p:spTree>
     <p:extLst>
       <p:ext uri="{BB962C8B-B14F-4D97-AF65-F5344CB8AC3E}">
@@ -12470,7 +12391,7 @@
                             </p:stCondLst>
                             <p:childTnLst>
                               <p:par>
-                                <p:cTn id="5" presetID="2" presetClass="entr" presetSubtype="4" fill="hold" nodeType="clickEffect">
+                                <p:cTn id="5" presetID="1" presetClass="entr" presetSubtype="0" fill="hold" nodeType="clickEffect">
                                   <p:stCondLst>
                                     <p:cond delay="0"/>
                                   </p:stCondLst>
@@ -12483,7 +12404,11 @@
                                           </p:stCondLst>
                                         </p:cTn>
                                         <p:tgtEl>
-                                          <p:spTgt spid="7"/>
+                                          <p:spTgt spid="3">
+                                            <p:txEl>
+                                              <p:pRg st="1" end="1"/>
+                                            </p:txEl>
+                                          </p:spTgt>
                                         </p:tgtEl>
                                         <p:attrNameLst>
                                           <p:attrName>style.visibility</p:attrName>
@@ -12493,52 +12418,6 @@
                                         <p:strVal val="visible"/>
                                       </p:to>
                                     </p:set>
-                                    <p:anim calcmode="lin" valueType="num">
-                                      <p:cBhvr additive="base">
-                                        <p:cTn id="7" dur="500" fill="hold"/>
-                                        <p:tgtEl>
-                                          <p:spTgt spid="7"/>
-                                        </p:tgtEl>
-                                        <p:attrNameLst>
-                                          <p:attrName>ppt_x</p:attrName>
-                                        </p:attrNameLst>
-                                      </p:cBhvr>
-                                      <p:tavLst>
-                                        <p:tav tm="0">
-                                          <p:val>
-                                            <p:strVal val="#ppt_x"/>
-                                          </p:val>
-                                        </p:tav>
-                                        <p:tav tm="100000">
-                                          <p:val>
-                                            <p:strVal val="#ppt_x"/>
-                                          </p:val>
-                                        </p:tav>
-                                      </p:tavLst>
-                                    </p:anim>
-                                    <p:anim calcmode="lin" valueType="num">
-                                      <p:cBhvr additive="base">
-                                        <p:cTn id="8" dur="500" fill="hold"/>
-                                        <p:tgtEl>
-                                          <p:spTgt spid="7"/>
-                                        </p:tgtEl>
-                                        <p:attrNameLst>
-                                          <p:attrName>ppt_y</p:attrName>
-                                        </p:attrNameLst>
-                                      </p:cBhvr>
-                                      <p:tavLst>
-                                        <p:tav tm="0">
-                                          <p:val>
-                                            <p:strVal val="1+#ppt_h/2"/>
-                                          </p:val>
-                                        </p:tav>
-                                        <p:tav tm="100000">
-                                          <p:val>
-                                            <p:strVal val="#ppt_y"/>
-                                          </p:val>
-                                        </p:tav>
-                                      </p:tavLst>
-                                    </p:anim>
                                   </p:childTnLst>
                                 </p:cTn>
                               </p:par>
@@ -12549,32 +12428,67 @@
                     </p:cTn>
                   </p:par>
                   <p:par>
-                    <p:cTn id="9" fill="hold">
+                    <p:cTn id="7" fill="hold">
                       <p:stCondLst>
                         <p:cond delay="indefinite"/>
                       </p:stCondLst>
                       <p:childTnLst>
                         <p:par>
-                          <p:cTn id="10" fill="hold">
+                          <p:cTn id="8" fill="hold">
                             <p:stCondLst>
                               <p:cond delay="0"/>
                             </p:stCondLst>
                             <p:childTnLst>
                               <p:par>
-                                <p:cTn id="11" presetID="2" presetClass="entr" presetSubtype="4" fill="hold" nodeType="clickEffect">
+                                <p:cTn id="9" presetID="1" presetClass="entr" presetSubtype="0" fill="hold" nodeType="clickEffect">
                                   <p:stCondLst>
                                     <p:cond delay="0"/>
                                   </p:stCondLst>
                                   <p:childTnLst>
                                     <p:set>
                                       <p:cBhvr>
+                                        <p:cTn id="10" dur="1" fill="hold">
+                                          <p:stCondLst>
+                                            <p:cond delay="0"/>
+                                          </p:stCondLst>
+                                        </p:cTn>
+                                        <p:tgtEl>
+                                          <p:spTgt spid="3">
+                                            <p:txEl>
+                                              <p:pRg st="2" end="2"/>
+                                            </p:txEl>
+                                          </p:spTgt>
+                                        </p:tgtEl>
+                                        <p:attrNameLst>
+                                          <p:attrName>style.visibility</p:attrName>
+                                        </p:attrNameLst>
+                                      </p:cBhvr>
+                                      <p:to>
+                                        <p:strVal val="visible"/>
+                                      </p:to>
+                                    </p:set>
+                                  </p:childTnLst>
+                                </p:cTn>
+                              </p:par>
+                              <p:par>
+                                <p:cTn id="11" presetID="1" presetClass="entr" presetSubtype="0" fill="hold" nodeType="withEffect">
+                                  <p:stCondLst>
+                                    <p:cond delay="0"/>
+                                  </p:stCondLst>
+                                  <p:childTnLst>
+                                    <p:set>
+                                      <p:cBhvr>
                                         <p:cTn id="12" dur="1" fill="hold">
                                           <p:stCondLst>
                                             <p:cond delay="0"/>
                                           </p:stCondLst>
                                         </p:cTn>
                                         <p:tgtEl>
-                                          <p:spTgt spid="8"/>
+                                          <p:spTgt spid="3">
+                                            <p:txEl>
+                                              <p:pRg st="3" end="3"/>
+                                            </p:txEl>
+                                          </p:spTgt>
                                         </p:tgtEl>
                                         <p:attrNameLst>
                                           <p:attrName>style.visibility</p:attrName>
@@ -12584,52 +12498,37 @@
                                         <p:strVal val="visible"/>
                                       </p:to>
                                     </p:set>
-                                    <p:anim calcmode="lin" valueType="num">
-                                      <p:cBhvr additive="base">
-                                        <p:cTn id="13" dur="500" fill="hold"/>
-                                        <p:tgtEl>
-                                          <p:spTgt spid="8"/>
-                                        </p:tgtEl>
-                                        <p:attrNameLst>
-                                          <p:attrName>ppt_x</p:attrName>
-                                        </p:attrNameLst>
-                                      </p:cBhvr>
-                                      <p:tavLst>
-                                        <p:tav tm="0">
-                                          <p:val>
-                                            <p:strVal val="#ppt_x"/>
-                                          </p:val>
-                                        </p:tav>
-                                        <p:tav tm="100000">
-                                          <p:val>
-                                            <p:strVal val="#ppt_x"/>
-                                          </p:val>
-                                        </p:tav>
-                                      </p:tavLst>
-                                    </p:anim>
-                                    <p:anim calcmode="lin" valueType="num">
-                                      <p:cBhvr additive="base">
-                                        <p:cTn id="14" dur="500" fill="hold"/>
-                                        <p:tgtEl>
-                                          <p:spTgt spid="8"/>
-                                        </p:tgtEl>
-                                        <p:attrNameLst>
-                                          <p:attrName>ppt_y</p:attrName>
-                                        </p:attrNameLst>
-                                      </p:cBhvr>
-                                      <p:tavLst>
-                                        <p:tav tm="0">
-                                          <p:val>
-                                            <p:strVal val="1+#ppt_h/2"/>
-                                          </p:val>
-                                        </p:tav>
-                                        <p:tav tm="100000">
-                                          <p:val>
-                                            <p:strVal val="#ppt_y"/>
-                                          </p:val>
-                                        </p:tav>
-                                      </p:tavLst>
-                                    </p:anim>
+                                  </p:childTnLst>
+                                </p:cTn>
+                              </p:par>
+                              <p:par>
+                                <p:cTn id="13" presetID="1" presetClass="entr" presetSubtype="0" fill="hold" nodeType="withEffect">
+                                  <p:stCondLst>
+                                    <p:cond delay="0"/>
+                                  </p:stCondLst>
+                                  <p:childTnLst>
+                                    <p:set>
+                                      <p:cBhvr>
+                                        <p:cTn id="14" dur="1" fill="hold">
+                                          <p:stCondLst>
+                                            <p:cond delay="0"/>
+                                          </p:stCondLst>
+                                        </p:cTn>
+                                        <p:tgtEl>
+                                          <p:spTgt spid="3">
+                                            <p:txEl>
+                                              <p:pRg st="4" end="4"/>
+                                            </p:txEl>
+                                          </p:spTgt>
+                                        </p:tgtEl>
+                                        <p:attrNameLst>
+                                          <p:attrName>style.visibility</p:attrName>
+                                        </p:attrNameLst>
+                                      </p:cBhvr>
+                                      <p:to>
+                                        <p:strVal val="visible"/>
+                                      </p:to>
+                                    </p:set>
                                   </p:childTnLst>
                                 </p:cTn>
                               </p:par>
@@ -12652,7 +12551,7 @@
                             </p:stCondLst>
                             <p:childTnLst>
                               <p:par>
-                                <p:cTn id="17" presetID="2" presetClass="entr" presetSubtype="4" fill="hold" nodeType="clickEffect">
+                                <p:cTn id="17" presetID="42" presetClass="entr" presetSubtype="0" fill="hold" nodeType="clickEffect">
                                   <p:stCondLst>
                                     <p:cond delay="0"/>
                                   </p:stCondLst>
@@ -12665,7 +12564,7 @@
                                           </p:stCondLst>
                                         </p:cTn>
                                         <p:tgtEl>
-                                          <p:spTgt spid="9"/>
+                                          <p:spTgt spid="7"/>
                                         </p:tgtEl>
                                         <p:attrNameLst>
                                           <p:attrName>style.visibility</p:attrName>
@@ -12675,11 +12574,19 @@
                                         <p:strVal val="visible"/>
                                       </p:to>
                                     </p:set>
+                                    <p:animEffect transition="in" filter="fade">
+                                      <p:cBhvr>
+                                        <p:cTn id="19" dur="1000"/>
+                                        <p:tgtEl>
+                                          <p:spTgt spid="7"/>
+                                        </p:tgtEl>
+                                      </p:cBhvr>
+                                    </p:animEffect>
                                     <p:anim calcmode="lin" valueType="num">
-                                      <p:cBhvr additive="base">
-                                        <p:cTn id="19" dur="500" fill="hold"/>
-                                        <p:tgtEl>
-                                          <p:spTgt spid="9"/>
+                                      <p:cBhvr>
+                                        <p:cTn id="20" dur="1000" fill="hold"/>
+                                        <p:tgtEl>
+                                          <p:spTgt spid="7"/>
                                         </p:tgtEl>
                                         <p:attrNameLst>
                                           <p:attrName>ppt_x</p:attrName>
@@ -12699,10 +12606,10 @@
                                       </p:tavLst>
                                     </p:anim>
                                     <p:anim calcmode="lin" valueType="num">
-                                      <p:cBhvr additive="base">
-                                        <p:cTn id="20" dur="500" fill="hold"/>
-                                        <p:tgtEl>
-                                          <p:spTgt spid="9"/>
+                                      <p:cBhvr>
+                                        <p:cTn id="21" dur="1000" fill="hold"/>
+                                        <p:tgtEl>
+                                          <p:spTgt spid="7"/>
                                         </p:tgtEl>
                                         <p:attrNameLst>
                                           <p:attrName>ppt_y</p:attrName>
@@ -12711,7 +12618,97 @@
                                       <p:tavLst>
                                         <p:tav tm="0">
                                           <p:val>
-                                            <p:strVal val="1+#ppt_h/2"/>
+                                            <p:strVal val="#ppt_y+.1"/>
+                                          </p:val>
+                                        </p:tav>
+                                        <p:tav tm="100000">
+                                          <p:val>
+                                            <p:strVal val="#ppt_y"/>
+                                          </p:val>
+                                        </p:tav>
+                                      </p:tavLst>
+                                    </p:anim>
+                                  </p:childTnLst>
+                                </p:cTn>
+                              </p:par>
+                            </p:childTnLst>
+                          </p:cTn>
+                        </p:par>
+                        <p:par>
+                          <p:cTn id="22" fill="hold">
+                            <p:stCondLst>
+                              <p:cond delay="1000"/>
+                            </p:stCondLst>
+                            <p:childTnLst>
+                              <p:par>
+                                <p:cTn id="23" presetID="42" presetClass="entr" presetSubtype="0" fill="hold" grpId="0" nodeType="afterEffect">
+                                  <p:stCondLst>
+                                    <p:cond delay="0"/>
+                                  </p:stCondLst>
+                                  <p:childTnLst>
+                                    <p:set>
+                                      <p:cBhvr>
+                                        <p:cTn id="24" dur="1" fill="hold">
+                                          <p:stCondLst>
+                                            <p:cond delay="0"/>
+                                          </p:stCondLst>
+                                        </p:cTn>
+                                        <p:tgtEl>
+                                          <p:spTgt spid="12"/>
+                                        </p:tgtEl>
+                                        <p:attrNameLst>
+                                          <p:attrName>style.visibility</p:attrName>
+                                        </p:attrNameLst>
+                                      </p:cBhvr>
+                                      <p:to>
+                                        <p:strVal val="visible"/>
+                                      </p:to>
+                                    </p:set>
+                                    <p:animEffect transition="in" filter="fade">
+                                      <p:cBhvr>
+                                        <p:cTn id="25" dur="2000"/>
+                                        <p:tgtEl>
+                                          <p:spTgt spid="12"/>
+                                        </p:tgtEl>
+                                      </p:cBhvr>
+                                    </p:animEffect>
+                                    <p:anim calcmode="lin" valueType="num">
+                                      <p:cBhvr>
+                                        <p:cTn id="26" dur="2000" fill="hold"/>
+                                        <p:tgtEl>
+                                          <p:spTgt spid="12"/>
+                                        </p:tgtEl>
+                                        <p:attrNameLst>
+                                          <p:attrName>ppt_x</p:attrName>
+                                        </p:attrNameLst>
+                                      </p:cBhvr>
+                                      <p:tavLst>
+                                        <p:tav tm="0">
+                                          <p:val>
+                                            <p:strVal val="#ppt_x"/>
+                                          </p:val>
+                                        </p:tav>
+                                        <p:tav tm="100000">
+                                          <p:val>
+                                            <p:strVal val="#ppt_x"/>
+                                          </p:val>
+                                        </p:tav>
+                                      </p:tavLst>
+                                    </p:anim>
+                                    <p:anim calcmode="lin" valueType="num">
+                                      <p:cBhvr>
+                                        <p:cTn id="27" dur="2000" fill="hold"/>
+                                        <p:tgtEl>
+                                          <p:spTgt spid="12"/>
+                                        </p:tgtEl>
+                                        <p:attrNameLst>
+                                          <p:attrName>ppt_y</p:attrName>
+                                        </p:attrNameLst>
+                                      </p:cBhvr>
+                                      <p:tavLst>
+                                        <p:tav tm="0">
+                                          <p:val>
+                                            <p:strVal val="#ppt_y+.1"/>
                                           </p:val>
                                         </p:tav>
                                         <p:tav tm="100000">
@@ -12731,32 +12728,32 @@
                     </p:cTn>
                   </p:par>
                   <p:par>
-                    <p:cTn id="21" fill="hold">
+                    <p:cTn id="28" fill="hold">
                       <p:stCondLst>
                         <p:cond delay="indefinite"/>
                       </p:stCondLst>
                       <p:childTnLst>
                         <p:par>
-                          <p:cTn id="22" fill="hold">
+                          <p:cTn id="29" fill="hold">
                             <p:stCondLst>
                               <p:cond delay="0"/>
                             </p:stCondLst>
                             <p:childTnLst>
                               <p:par>
-                                <p:cTn id="23" presetID="2" presetClass="entr" presetSubtype="4" fill="hold" nodeType="clickEffect">
+                                <p:cTn id="30" presetID="42" presetClass="entr" presetSubtype="0" fill="hold" nodeType="clickEffect">
                                   <p:stCondLst>
                                     <p:cond delay="0"/>
                                   </p:stCondLst>
                                   <p:childTnLst>
                                     <p:set>
                                       <p:cBhvr>
-                                        <p:cTn id="24" dur="1" fill="hold">
+                                        <p:cTn id="31" dur="1" fill="hold">
                                           <p:stCondLst>
                                             <p:cond delay="0"/>
                                           </p:stCondLst>
                                         </p:cTn>
                                         <p:tgtEl>
-                                          <p:spTgt spid="10"/>
+                                          <p:spTgt spid="8"/>
                                         </p:tgtEl>
                                         <p:attrNameLst>
                                           <p:attrName>style.visibility</p:attrName>
@@ -12766,11 +12763,19 @@
                                         <p:strVal val="visible"/>
                                       </p:to>
                                     </p:set>
+                                    <p:animEffect transition="in" filter="fade">
+                                      <p:cBhvr>
+                                        <p:cTn id="32" dur="1000"/>
+                                        <p:tgtEl>
+                                          <p:spTgt spid="8"/>
+                                        </p:tgtEl>
+                                      </p:cBhvr>
+                                    </p:animEffect>
                                     <p:anim calcmode="lin" valueType="num">
-                                      <p:cBhvr additive="base">
-                                        <p:cTn id="25" dur="500" fill="hold"/>
-                                        <p:tgtEl>
-                                          <p:spTgt spid="10"/>
+                                      <p:cBhvr>
+                                        <p:cTn id="33" dur="1000" fill="hold"/>
+                                        <p:tgtEl>
+                                          <p:spTgt spid="8"/>
                                         </p:tgtEl>
                                         <p:attrNameLst>
                                           <p:attrName>ppt_x</p:attrName>
@@ -12790,10 +12795,10 @@
                                       </p:tavLst>
                                     </p:anim>
                                     <p:anim calcmode="lin" valueType="num">
-                                      <p:cBhvr additive="base">
-                                        <p:cTn id="26" dur="500" fill="hold"/>
-                                        <p:tgtEl>
-                                          <p:spTgt spid="10"/>
+                                      <p:cBhvr>
+                                        <p:cTn id="34" dur="1000" fill="hold"/>
+                                        <p:tgtEl>
+                                          <p:spTgt spid="8"/>
                                         </p:tgtEl>
                                         <p:attrNameLst>
                                           <p:attrName>ppt_y</p:attrName>
@@ -12802,7 +12807,88 @@
                                       <p:tavLst>
                                         <p:tav tm="0">
                                           <p:val>
-                                            <p:strVal val="1+#ppt_h/2"/>
+                                            <p:strVal val="#ppt_y+.1"/>
+                                          </p:val>
+                                        </p:tav>
+                                        <p:tav tm="100000">
+                                          <p:val>
+                                            <p:strVal val="#ppt_y"/>
+                                          </p:val>
+                                        </p:tav>
+                                      </p:tavLst>
+                                    </p:anim>
+                                  </p:childTnLst>
+                                </p:cTn>
+                              </p:par>
+                              <p:par>
+                                <p:cTn id="35" presetID="42" presetClass="entr" presetSubtype="0" fill="hold" nodeType="withEffect">
+                                  <p:stCondLst>
+                                    <p:cond delay="0"/>
+                                  </p:stCondLst>
+                                  <p:childTnLst>
+                                    <p:set>
+                                      <p:cBhvr>
+                                        <p:cTn id="36" dur="1" fill="hold">
+                                          <p:stCondLst>
+                                            <p:cond delay="0"/>
+                                          </p:stCondLst>
+                                        </p:cTn>
+                                        <p:tgtEl>
+                                          <p:spTgt spid="9"/>
+                                        </p:tgtEl>
+                                        <p:attrNameLst>
+                                          <p:attrName>style.visibility</p:attrName>
+                                        </p:attrNameLst>
+                                      </p:cBhvr>
+                                      <p:to>
+                                        <p:strVal val="visible"/>
+                                      </p:to>
+                                    </p:set>
+                                    <p:animEffect transition="in" filter="fade">
+                                      <p:cBhvr>
+                                        <p:cTn id="37" dur="1000"/>
+                                        <p:tgtEl>
+                                          <p:spTgt spid="9"/>
+                                        </p:tgtEl>
+                                      </p:cBhvr>
+                                    </p:animEffect>
+                                    <p:anim calcmode="lin" valueType="num">
+                                      <p:cBhvr>
+                                        <p:cTn id="38" dur="1000" fill="hold"/>
+                                        <p:tgtEl>
+                                          <p:spTgt spid="9"/>
+                                        </p:tgtEl>
+                                        <p:attrNameLst>
+                                          <p:attrName>ppt_x</p:attrName>
+                                        </p:attrNameLst>
+                                      </p:cBhvr>
+                                      <p:tavLst>
+                                        <p:tav tm="0">
+                                          <p:val>
+                                            <p:strVal val="#ppt_x"/>
+                                          </p:val>
+                                        </p:tav>
+                                        <p:tav tm="100000">
+                                          <p:val>
+                                            <p:strVal val="#ppt_x"/>
+                                          </p:val>
+                                        </p:tav>
+                                      </p:tavLst>
+                                    </p:anim>
+                                    <p:anim calcmode="lin" valueType="num">
+                                      <p:cBhvr>
+                                        <p:cTn id="39" dur="1000" fill="hold"/>
+                                        <p:tgtEl>
+                                          <p:spTgt spid="9"/>
+                                        </p:tgtEl>
+                                        <p:attrNameLst>
+                                          <p:attrName>ppt_y</p:attrName>
+                                        </p:attrNameLst>
+                                      </p:cBhvr>
+                                      <p:tavLst>
+                                        <p:tav tm="0">
+                                          <p:val>
+                                            <p:strVal val="#ppt_y+.1"/>
                                           </p:val>
                                         </p:tav>
                                         <p:tav tm="100000">
@@ -12822,85 +12908,32 @@
                     </p:cTn>
                   </p:par>
                   <p:par>
-                    <p:cTn id="27" fill="hold">
+                    <p:cTn id="40" fill="hold">
                       <p:stCondLst>
                         <p:cond delay="indefinite"/>
                       </p:stCondLst>
                       <p:childTnLst>
                         <p:par>
-                          <p:cTn id="28" fill="hold">
+                          <p:cTn id="41" fill="hold">
                             <p:stCondLst>
                               <p:cond delay="0"/>
                             </p:stCondLst>
                             <p:childTnLst>
                               <p:par>
-                                <p:cTn id="29" presetID="16" presetClass="entr" presetSubtype="21" fill="hold" nodeType="clickEffect">
+                                <p:cTn id="42" presetID="42" presetClass="entr" presetSubtype="0" fill="hold" nodeType="clickEffect">
                                   <p:stCondLst>
                                     <p:cond delay="0"/>
                                   </p:stCondLst>
                                   <p:childTnLst>
                                     <p:set>
                                       <p:cBhvr>
-                                        <p:cTn id="30" dur="1" fill="hold">
+                                        <p:cTn id="43" dur="1" fill="hold">
                                           <p:stCondLst>
                                             <p:cond delay="0"/>
                                           </p:stCondLst>
                                         </p:cTn>
                                         <p:tgtEl>
-                                          <p:spTgt spid="11"/>
-                                        </p:tgtEl>
-                                        <p:attrNameLst>
-                                          <p:attrName>style.visibility</p:attrName>
-                                        </p:attrNameLst>
-                                      </p:cBhvr>
-                                      <p:to>
-                                        <p:strVal val="visible"/>
-                                      </p:to>
-                                    </p:set>
-                                    <p:animEffect transition="in" filter="barn(inVertical)">
-                                      <p:cBhvr>
-                                        <p:cTn id="31" dur="2000"/>
-                                        <p:tgtEl>
-                                          <p:spTgt spid="11"/>
-                                        </p:tgtEl>
-                                      </p:cBhvr>
-                                    </p:animEffect>
-                                  </p:childTnLst>
-                                </p:cTn>
-                              </p:par>
-                            </p:childTnLst>
-                          </p:cTn>
-                        </p:par>
-                      </p:childTnLst>
-                    </p:cTn>
-                  </p:par>
-                  <p:par>
-                    <p:cTn id="32" fill="hold">
-                      <p:stCondLst>
-                        <p:cond delay="indefinite"/>
-                      </p:stCondLst>
-                      <p:childTnLst>
-                        <p:par>
-                          <p:cTn id="33" fill="hold">
-                            <p:stCondLst>
-                              <p:cond delay="0"/>
-                            </p:stCondLst>
-                            <p:childTnLst>
-                              <p:par>
-                                <p:cTn id="34" presetID="42" presetClass="entr" presetSubtype="0" fill="hold" grpId="0" nodeType="clickEffect">
-                                  <p:stCondLst>
-                                    <p:cond delay="0"/>
-                                  </p:stCondLst>
-                                  <p:childTnLst>
-                                    <p:set>
-                                      <p:cBhvr>
-                                        <p:cTn id="35" dur="1" fill="hold">
-                                          <p:stCondLst>
-                                            <p:cond delay="0"/>
-                                          </p:stCondLst>
-                                        </p:cTn>
-                                        <p:tgtEl>
-                                          <p:spTgt spid="12"/>
+                                          <p:spTgt spid="10"/>
                                         </p:tgtEl>
                                         <p:attrNameLst>
                                           <p:attrName>style.visibility</p:attrName>
@@ -12912,17 +12945,17 @@
                                     </p:set>
                                     <p:animEffect transition="in" filter="fade">
                                       <p:cBhvr>
-                                        <p:cTn id="36" dur="1000"/>
-                                        <p:tgtEl>
-                                          <p:spTgt spid="12"/>
+                                        <p:cTn id="44" dur="1000"/>
+                                        <p:tgtEl>
+                                          <p:spTgt spid="10"/>
                                         </p:tgtEl>
                                       </p:cBhvr>
                                     </p:animEffect>
                                     <p:anim calcmode="lin" valueType="num">
                                       <p:cBhvr>
-                                        <p:cTn id="37" dur="1000" fill="hold"/>
-                                        <p:tgtEl>
-                                          <p:spTgt spid="12"/>
+                                        <p:cTn id="45" dur="1000" fill="hold"/>
+                                        <p:tgtEl>
+                                          <p:spTgt spid="10"/>
                                         </p:tgtEl>
                                         <p:attrNameLst>
                                           <p:attrName>ppt_x</p:attrName>
@@ -12943,9 +12976,805 @@
                                     </p:anim>
                                     <p:anim calcmode="lin" valueType="num">
                                       <p:cBhvr>
-                                        <p:cTn id="38" dur="1000" fill="hold"/>
-                                        <p:tgtEl>
-                                          <p:spTgt spid="12"/>
+                                        <p:cTn id="46" dur="1000" fill="hold"/>
+                                        <p:tgtEl>
+                                          <p:spTgt spid="10"/>
+                                        </p:tgtEl>
+                                        <p:attrNameLst>
+                                          <p:attrName>ppt_y</p:attrName>
+                                        </p:attrNameLst>
+                                      </p:cBhvr>
+                                      <p:tavLst>
+                                        <p:tav tm="0">
+                                          <p:val>
+                                            <p:strVal val="#ppt_y+.1"/>
+                                          </p:val>
+                                        </p:tav>
+                                        <p:tav tm="100000">
+                                          <p:val>
+                                            <p:strVal val="#ppt_y"/>
+                                          </p:val>
+                                        </p:tav>
+                                      </p:tavLst>
+                                    </p:anim>
+                                  </p:childTnLst>
+                                </p:cTn>
+                              </p:par>
+                              <p:par>
+                                <p:cTn id="47" presetID="16" presetClass="entr" presetSubtype="21" fill="hold" nodeType="withEffect">
+                                  <p:stCondLst>
+                                    <p:cond delay="0"/>
+                                  </p:stCondLst>
+                                  <p:childTnLst>
+                                    <p:set>
+                                      <p:cBhvr>
+                                        <p:cTn id="48" dur="1" fill="hold">
+                                          <p:stCondLst>
+                                            <p:cond delay="0"/>
+                                          </p:stCondLst>
+                                        </p:cTn>
+                                        <p:tgtEl>
+                                          <p:spTgt spid="11"/>
+                                        </p:tgtEl>
+                                        <p:attrNameLst>
+                                          <p:attrName>style.visibility</p:attrName>
+                                        </p:attrNameLst>
+                                      </p:cBhvr>
+                                      <p:to>
+                                        <p:strVal val="visible"/>
+                                      </p:to>
+                                    </p:set>
+                                    <p:animEffect transition="in" filter="barn(inVertical)">
+                                      <p:cBhvr>
+                                        <p:cTn id="49" dur="2000"/>
+                                        <p:tgtEl>
+                                          <p:spTgt spid="11"/>
+                                        </p:tgtEl>
+                                      </p:cBhvr>
+                                    </p:animEffect>
+                                  </p:childTnLst>
+                                </p:cTn>
+                              </p:par>
+                            </p:childTnLst>
+                          </p:cTn>
+                        </p:par>
+                      </p:childTnLst>
+                    </p:cTn>
+                  </p:par>
+                  <p:par>
+                    <p:cTn id="50" fill="hold">
+                      <p:stCondLst>
+                        <p:cond delay="indefinite"/>
+                      </p:stCondLst>
+                      <p:childTnLst>
+                        <p:par>
+                          <p:cTn id="51" fill="hold">
+                            <p:stCondLst>
+                              <p:cond delay="0"/>
+                            </p:stCondLst>
+                            <p:childTnLst>
+                              <p:par>
+                                <p:cTn id="52" presetID="1" presetClass="entr" presetSubtype="0" fill="hold" nodeType="clickEffect">
+                                  <p:stCondLst>
+                                    <p:cond delay="0"/>
+                                  </p:stCondLst>
+                                  <p:childTnLst>
+                                    <p:set>
+                                      <p:cBhvr>
+                                        <p:cTn id="53" dur="1" fill="hold">
+                                          <p:stCondLst>
+                                            <p:cond delay="0"/>
+                                          </p:stCondLst>
+                                        </p:cTn>
+                                        <p:tgtEl>
+                                          <p:spTgt spid="3">
+                                            <p:txEl>
+                                              <p:pRg st="6" end="6"/>
+                                            </p:txEl>
+                                          </p:spTgt>
+                                        </p:tgtEl>
+                                        <p:attrNameLst>
+                                          <p:attrName>style.visibility</p:attrName>
+                                        </p:attrNameLst>
+                                      </p:cBhvr>
+                                      <p:to>
+                                        <p:strVal val="visible"/>
+                                      </p:to>
+                                    </p:set>
+                                  </p:childTnLst>
+                                </p:cTn>
+                              </p:par>
+                            </p:childTnLst>
+                          </p:cTn>
+                        </p:par>
+                      </p:childTnLst>
+                    </p:cTn>
+                  </p:par>
+                  <p:par>
+                    <p:cTn id="54" fill="hold">
+                      <p:stCondLst>
+                        <p:cond delay="indefinite"/>
+                      </p:stCondLst>
+                      <p:childTnLst>
+                        <p:par>
+                          <p:cTn id="55" fill="hold">
+                            <p:stCondLst>
+                              <p:cond delay="0"/>
+                            </p:stCondLst>
+                            <p:childTnLst>
+                              <p:par>
+                                <p:cTn id="56" presetID="1" presetClass="entr" presetSubtype="0" fill="hold" nodeType="clickEffect">
+                                  <p:stCondLst>
+                                    <p:cond delay="0"/>
+                                  </p:stCondLst>
+                                  <p:childTnLst>
+                                    <p:set>
+                                      <p:cBhvr>
+                                        <p:cTn id="57" dur="1" fill="hold">
+                                          <p:stCondLst>
+                                            <p:cond delay="0"/>
+                                          </p:stCondLst>
+                                        </p:cTn>
+                                        <p:tgtEl>
+                                          <p:spTgt spid="3">
+                                            <p:txEl>
+                                              <p:pRg st="7" end="7"/>
+                                            </p:txEl>
+                                          </p:spTgt>
+                                        </p:tgtEl>
+                                        <p:attrNameLst>
+                                          <p:attrName>style.visibility</p:attrName>
+                                        </p:attrNameLst>
+                                      </p:cBhvr>
+                                      <p:to>
+                                        <p:strVal val="visible"/>
+                                      </p:to>
+                                    </p:set>
+                                  </p:childTnLst>
+                                </p:cTn>
+                              </p:par>
+                            </p:childTnLst>
+                          </p:cTn>
+                        </p:par>
+                      </p:childTnLst>
+                    </p:cTn>
+                  </p:par>
+                  <p:par>
+                    <p:cTn id="58" fill="hold">
+                      <p:stCondLst>
+                        <p:cond delay="indefinite"/>
+                      </p:stCondLst>
+                      <p:childTnLst>
+                        <p:par>
+                          <p:cTn id="59" fill="hold">
+                            <p:stCondLst>
+                              <p:cond delay="0"/>
+                            </p:stCondLst>
+                            <p:childTnLst>
+                              <p:par>
+                                <p:cTn id="60" presetID="1" presetClass="entr" presetSubtype="0" fill="hold" nodeType="clickEffect">
+                                  <p:stCondLst>
+                                    <p:cond delay="0"/>
+                                  </p:stCondLst>
+                                  <p:childTnLst>
+                                    <p:set>
+                                      <p:cBhvr>
+                                        <p:cTn id="61" dur="1" fill="hold">
+                                          <p:stCondLst>
+                                            <p:cond delay="0"/>
+                                          </p:stCondLst>
+                                        </p:cTn>
+                                        <p:tgtEl>
+                                          <p:spTgt spid="3">
+                                            <p:txEl>
+                                              <p:pRg st="8" end="8"/>
+                                            </p:txEl>
+                                          </p:spTgt>
+                                        </p:tgtEl>
+                                        <p:attrNameLst>
+                                          <p:attrName>style.visibility</p:attrName>
+                                        </p:attrNameLst>
+                                      </p:cBhvr>
+                                      <p:to>
+                                        <p:strVal val="visible"/>
+                                      </p:to>
+                                    </p:set>
+                                  </p:childTnLst>
+                                </p:cTn>
+                              </p:par>
+                            </p:childTnLst>
+                          </p:cTn>
+                        </p:par>
+                      </p:childTnLst>
+                    </p:cTn>
+                  </p:par>
+                  <p:par>
+                    <p:cTn id="62" fill="hold">
+                      <p:stCondLst>
+                        <p:cond delay="indefinite"/>
+                      </p:stCondLst>
+                      <p:childTnLst>
+                        <p:par>
+                          <p:cTn id="63" fill="hold">
+                            <p:stCondLst>
+                              <p:cond delay="0"/>
+                            </p:stCondLst>
+                            <p:childTnLst>
+                              <p:par>
+                                <p:cTn id="64" presetID="1" presetClass="entr" presetSubtype="0" fill="hold" nodeType="clickEffect">
+                                  <p:stCondLst>
+                                    <p:cond delay="0"/>
+                                  </p:stCondLst>
+                                  <p:childTnLst>
+                                    <p:set>
+                                      <p:cBhvr>
+                                        <p:cTn id="65" dur="1" fill="hold">
+                                          <p:stCondLst>
+                                            <p:cond delay="0"/>
+                                          </p:stCondLst>
+                                        </p:cTn>
+                                        <p:tgtEl>
+                                          <p:spTgt spid="3">
+                                            <p:txEl>
+                                              <p:pRg st="9" end="9"/>
+                                            </p:txEl>
+                                          </p:spTgt>
+                                        </p:tgtEl>
+                                        <p:attrNameLst>
+                                          <p:attrName>style.visibility</p:attrName>
+                                        </p:attrNameLst>
+                                      </p:cBhvr>
+                                      <p:to>
+                                        <p:strVal val="visible"/>
+                                      </p:to>
+                                    </p:set>
+                                  </p:childTnLst>
+                                </p:cTn>
+                              </p:par>
+                            </p:childTnLst>
+                          </p:cTn>
+                        </p:par>
+                      </p:childTnLst>
+                    </p:cTn>
+                  </p:par>
+                  <p:par>
+                    <p:cTn id="66" fill="hold">
+                      <p:stCondLst>
+                        <p:cond delay="indefinite"/>
+                      </p:stCondLst>
+                      <p:childTnLst>
+                        <p:par>
+                          <p:cTn id="67" fill="hold">
+                            <p:stCondLst>
+                              <p:cond delay="0"/>
+                            </p:stCondLst>
+                            <p:childTnLst>
+                              <p:par>
+                                <p:cTn id="68" presetID="1" presetClass="entr" presetSubtype="0" fill="hold" nodeType="clickEffect">
+                                  <p:stCondLst>
+                                    <p:cond delay="0"/>
+                                  </p:stCondLst>
+                                  <p:childTnLst>
+                                    <p:set>
+                                      <p:cBhvr>
+                                        <p:cTn id="69" dur="1" fill="hold">
+                                          <p:stCondLst>
+                                            <p:cond delay="0"/>
+                                          </p:stCondLst>
+                                        </p:cTn>
+                                        <p:tgtEl>
+                                          <p:spTgt spid="3">
+                                            <p:txEl>
+                                              <p:pRg st="10" end="10"/>
+                                            </p:txEl>
+                                          </p:spTgt>
+                                        </p:tgtEl>
+                                        <p:attrNameLst>
+                                          <p:attrName>style.visibility</p:attrName>
+                                        </p:attrNameLst>
+                                      </p:cBhvr>
+                                      <p:to>
+                                        <p:strVal val="visible"/>
+                                      </p:to>
+                                    </p:set>
+                                  </p:childTnLst>
+                                </p:cTn>
+                              </p:par>
+                            </p:childTnLst>
+                          </p:cTn>
+                        </p:par>
+                      </p:childTnLst>
+                    </p:cTn>
+                  </p:par>
+                  <p:par>
+                    <p:cTn id="70" fill="hold">
+                      <p:stCondLst>
+                        <p:cond delay="indefinite"/>
+                      </p:stCondLst>
+                      <p:childTnLst>
+                        <p:par>
+                          <p:cTn id="71" fill="hold">
+                            <p:stCondLst>
+                              <p:cond delay="0"/>
+                            </p:stCondLst>
+                            <p:childTnLst>
+                              <p:par>
+                                <p:cTn id="72" presetID="1" presetClass="entr" presetSubtype="0" fill="hold" nodeType="clickEffect">
+                                  <p:stCondLst>
+                                    <p:cond delay="0"/>
+                                  </p:stCondLst>
+                                  <p:childTnLst>
+                                    <p:set>
+                                      <p:cBhvr>
+                                        <p:cTn id="73" dur="1" fill="hold">
+                                          <p:stCondLst>
+                                            <p:cond delay="0"/>
+                                          </p:stCondLst>
+                                        </p:cTn>
+                                        <p:tgtEl>
+                                          <p:spTgt spid="3">
+                                            <p:txEl>
+                                              <p:pRg st="11" end="11"/>
+                                            </p:txEl>
+                                          </p:spTgt>
+                                        </p:tgtEl>
+                                        <p:attrNameLst>
+                                          <p:attrName>style.visibility</p:attrName>
+                                        </p:attrNameLst>
+                                      </p:cBhvr>
+                                      <p:to>
+                                        <p:strVal val="visible"/>
+                                      </p:to>
+                                    </p:set>
+                                  </p:childTnLst>
+                                </p:cTn>
+                              </p:par>
+                            </p:childTnLst>
+                          </p:cTn>
+                        </p:par>
+                      </p:childTnLst>
+                    </p:cTn>
+                  </p:par>
+                  <p:par>
+                    <p:cTn id="74" fill="hold">
+                      <p:stCondLst>
+                        <p:cond delay="indefinite"/>
+                      </p:stCondLst>
+                      <p:childTnLst>
+                        <p:par>
+                          <p:cTn id="75" fill="hold">
+                            <p:stCondLst>
+                              <p:cond delay="0"/>
+                            </p:stCondLst>
+                            <p:childTnLst>
+                              <p:par>
+                                <p:cTn id="76" presetID="1" presetClass="entr" presetSubtype="0" fill="hold" nodeType="clickEffect">
+                                  <p:stCondLst>
+                                    <p:cond delay="0"/>
+                                  </p:stCondLst>
+                                  <p:childTnLst>
+                                    <p:set>
+                                      <p:cBhvr>
+                                        <p:cTn id="77" dur="1" fill="hold">
+                                          <p:stCondLst>
+                                            <p:cond delay="0"/>
+                                          </p:stCondLst>
+                                        </p:cTn>
+                                        <p:tgtEl>
+                                          <p:spTgt spid="3">
+                                            <p:txEl>
+                                              <p:pRg st="12" end="12"/>
+                                            </p:txEl>
+                                          </p:spTgt>
+                                        </p:tgtEl>
+                                        <p:attrNameLst>
+                                          <p:attrName>style.visibility</p:attrName>
+                                        </p:attrNameLst>
+                                      </p:cBhvr>
+                                      <p:to>
+                                        <p:strVal val="visible"/>
+                                      </p:to>
+                                    </p:set>
+                                  </p:childTnLst>
+                                </p:cTn>
+                              </p:par>
+                            </p:childTnLst>
+                          </p:cTn>
+                        </p:par>
+                      </p:childTnLst>
+                    </p:cTn>
+                  </p:par>
+                  <p:par>
+                    <p:cTn id="78" fill="hold">
+                      <p:stCondLst>
+                        <p:cond delay="indefinite"/>
+                      </p:stCondLst>
+                      <p:childTnLst>
+                        <p:par>
+                          <p:cTn id="79" fill="hold">
+                            <p:stCondLst>
+                              <p:cond delay="0"/>
+                            </p:stCondLst>
+                            <p:childTnLst>
+                              <p:par>
+                                <p:cTn id="80" presetID="1" presetClass="entr" presetSubtype="0" fill="hold" nodeType="clickEffect">
+                                  <p:stCondLst>
+                                    <p:cond delay="0"/>
+                                  </p:stCondLst>
+                                  <p:childTnLst>
+                                    <p:set>
+                                      <p:cBhvr>
+                                        <p:cTn id="81" dur="1" fill="hold">
+                                          <p:stCondLst>
+                                            <p:cond delay="0"/>
+                                          </p:stCondLst>
+                                        </p:cTn>
+                                        <p:tgtEl>
+                                          <p:spTgt spid="3">
+                                            <p:txEl>
+                                              <p:pRg st="14" end="14"/>
+                                            </p:txEl>
+                                          </p:spTgt>
+                                        </p:tgtEl>
+                                        <p:attrNameLst>
+                                          <p:attrName>style.visibility</p:attrName>
+                                        </p:attrNameLst>
+                                      </p:cBhvr>
+                                      <p:to>
+                                        <p:strVal val="visible"/>
+                                      </p:to>
+                                    </p:set>
+                                  </p:childTnLst>
+                                </p:cTn>
+                              </p:par>
+                            </p:childTnLst>
+                          </p:cTn>
+                        </p:par>
+                        <p:par>
+                          <p:cTn id="82" fill="hold">
+                            <p:stCondLst>
+                              <p:cond delay="0"/>
+                            </p:stCondLst>
+                            <p:childTnLst>
+                              <p:par>
+                                <p:cTn id="83" presetID="42" presetClass="entr" presetSubtype="0" fill="hold" nodeType="afterEffect">
+                                  <p:stCondLst>
+                                    <p:cond delay="2000"/>
+                                  </p:stCondLst>
+                                  <p:childTnLst>
+                                    <p:set>
+                                      <p:cBhvr>
+                                        <p:cTn id="84" dur="1" fill="hold">
+                                          <p:stCondLst>
+                                            <p:cond delay="0"/>
+                                          </p:stCondLst>
+                                        </p:cTn>
+                                        <p:tgtEl>
+                                          <p:spTgt spid="2"/>
+                                        </p:tgtEl>
+                                        <p:attrNameLst>
+                                          <p:attrName>style.visibility</p:attrName>
+                                        </p:attrNameLst>
+                                      </p:cBhvr>
+                                      <p:to>
+                                        <p:strVal val="visible"/>
+                                      </p:to>
+                                    </p:set>
+                                    <p:animEffect transition="in" filter="fade">
+                                      <p:cBhvr>
+                                        <p:cTn id="85" dur="1000"/>
+                                        <p:tgtEl>
+                                          <p:spTgt spid="2"/>
+                                        </p:tgtEl>
+                                      </p:cBhvr>
+                                    </p:animEffect>
+                                    <p:anim calcmode="lin" valueType="num">
+                                      <p:cBhvr>
+                                        <p:cTn id="86" dur="1000" fill="hold"/>
+                                        <p:tgtEl>
+                                          <p:spTgt spid="2"/>
+                                        </p:tgtEl>
+                                        <p:attrNameLst>
+                                          <p:attrName>ppt_x</p:attrName>
+                                        </p:attrNameLst>
+                                      </p:cBhvr>
+                                      <p:tavLst>
+                                        <p:tav tm="0">
+                                          <p:val>
+                                            <p:strVal val="#ppt_x"/>
+                                          </p:val>
+                                        </p:tav>
+                                        <p:tav tm="100000">
+                                          <p:val>
+                                            <p:strVal val="#ppt_x"/>
+                                          </p:val>
+                                        </p:tav>
+                                      </p:tavLst>
+                                    </p:anim>
+                                    <p:anim calcmode="lin" valueType="num">
+                                      <p:cBhvr>
+                                        <p:cTn id="87" dur="1000" fill="hold"/>
+                                        <p:tgtEl>
+                                          <p:spTgt spid="2"/>
+                                        </p:tgtEl>
+                                        <p:attrNameLst>
+                                          <p:attrName>ppt_y</p:attrName>
+                                        </p:attrNameLst>
+                                      </p:cBhvr>
+                                      <p:tavLst>
+                                        <p:tav tm="0">
+                                          <p:val>
+                                            <p:strVal val="#ppt_y+.1"/>
+                                          </p:val>
+                                        </p:tav>
+                                        <p:tav tm="100000">
+                                          <p:val>
+                                            <p:strVal val="#ppt_y"/>
+                                          </p:val>
+                                        </p:tav>
+                                      </p:tavLst>
+                                    </p:anim>
+                                  </p:childTnLst>
+                                </p:cTn>
+                              </p:par>
+                            </p:childTnLst>
+                          </p:cTn>
+                        </p:par>
+                      </p:childTnLst>
+                    </p:cTn>
+                  </p:par>
+                  <p:par>
+                    <p:cTn id="88" fill="hold">
+                      <p:stCondLst>
+                        <p:cond delay="indefinite"/>
+                      </p:stCondLst>
+                      <p:childTnLst>
+                        <p:par>
+                          <p:cTn id="89" fill="hold">
+                            <p:stCondLst>
+                              <p:cond delay="0"/>
+                            </p:stCondLst>
+                            <p:childTnLst>
+                              <p:par>
+                                <p:cTn id="90" presetID="42" presetClass="entr" presetSubtype="0" fill="hold" nodeType="clickEffect">
+                                  <p:stCondLst>
+                                    <p:cond delay="0"/>
+                                  </p:stCondLst>
+                                  <p:childTnLst>
+                                    <p:set>
+                                      <p:cBhvr>
+                                        <p:cTn id="91" dur="1" fill="hold">
+                                          <p:stCondLst>
+                                            <p:cond delay="0"/>
+                                          </p:stCondLst>
+                                        </p:cTn>
+                                        <p:tgtEl>
+                                          <p:spTgt spid="5"/>
+                                        </p:tgtEl>
+                                        <p:attrNameLst>
+                                          <p:attrName>style.visibility</p:attrName>
+                                        </p:attrNameLst>
+                                      </p:cBhvr>
+                                      <p:to>
+                                        <p:strVal val="visible"/>
+                                      </p:to>
+                                    </p:set>
+                                    <p:animEffect transition="in" filter="fade">
+                                      <p:cBhvr>
+                                        <p:cTn id="92" dur="1000"/>
+                                        <p:tgtEl>
+                                          <p:spTgt spid="5"/>
+                                        </p:tgtEl>
+                                      </p:cBhvr>
+                                    </p:animEffect>
+                                    <p:anim calcmode="lin" valueType="num">
+                                      <p:cBhvr>
+                                        <p:cTn id="93" dur="1000" fill="hold"/>
+                                        <p:tgtEl>
+                                          <p:spTgt spid="5"/>
+                                        </p:tgtEl>
+                                        <p:attrNameLst>
+                                          <p:attrName>ppt_x</p:attrName>
+                                        </p:attrNameLst>
+                                      </p:cBhvr>
+                                      <p:tavLst>
+                                        <p:tav tm="0">
+                                          <p:val>
+                                            <p:strVal val="#ppt_x"/>
+                                          </p:val>
+                                        </p:tav>
+                                        <p:tav tm="100000">
+                                          <p:val>
+                                            <p:strVal val="#ppt_x"/>
+                                          </p:val>
+                                        </p:tav>
+                                      </p:tavLst>
+                                    </p:anim>
+                                    <p:anim calcmode="lin" valueType="num">
+                                      <p:cBhvr>
+                                        <p:cTn id="94" dur="1000" fill="hold"/>
+                                        <p:tgtEl>
+                                          <p:spTgt spid="5"/>
+                                        </p:tgtEl>
+                                        <p:attrNameLst>
+                                          <p:attrName>ppt_y</p:attrName>
+                                        </p:attrNameLst>
+                                      </p:cBhvr>
+                                      <p:tavLst>
+                                        <p:tav tm="0">
+                                          <p:val>
+                                            <p:strVal val="#ppt_y+.1"/>
+                                          </p:val>
+                                        </p:tav>
+                                        <p:tav tm="100000">
+                                          <p:val>
+                                            <p:strVal val="#ppt_y"/>
+                                          </p:val>
+                                        </p:tav>
+                                      </p:tavLst>
+                                    </p:anim>
+                                  </p:childTnLst>
+                                </p:cTn>
+                              </p:par>
+                            </p:childTnLst>
+                          </p:cTn>
+                        </p:par>
+                        <p:par>
+                          <p:cTn id="95" fill="hold">
+                            <p:stCondLst>
+                              <p:cond delay="1000"/>
+                            </p:stCondLst>
+                            <p:childTnLst>
+                              <p:par>
+                                <p:cTn id="96" presetID="42" presetClass="entr" presetSubtype="0" fill="hold" nodeType="afterEffect">
+                                  <p:stCondLst>
+                                    <p:cond delay="1000"/>
+                                  </p:stCondLst>
+                                  <p:childTnLst>
+                                    <p:set>
+                                      <p:cBhvr>
+                                        <p:cTn id="97" dur="1" fill="hold">
+                                          <p:stCondLst>
+                                            <p:cond delay="0"/>
+                                          </p:stCondLst>
+                                        </p:cTn>
+                                        <p:tgtEl>
+                                          <p:spTgt spid="6"/>
+                                        </p:tgtEl>
+                                        <p:attrNameLst>
+                                          <p:attrName>style.visibility</p:attrName>
+                                        </p:attrNameLst>
+                                      </p:cBhvr>
+                                      <p:to>
+                                        <p:strVal val="visible"/>
+                                      </p:to>
+                                    </p:set>
+                                    <p:animEffect transition="in" filter="fade">
+                                      <p:cBhvr>
+                                        <p:cTn id="98" dur="1500"/>
+                                        <p:tgtEl>
+                                          <p:spTgt spid="6"/>
+                                        </p:tgtEl>
+                                      </p:cBhvr>
+                                    </p:animEffect>
+                                    <p:anim calcmode="lin" valueType="num">
+                                      <p:cBhvr>
+                                        <p:cTn id="99" dur="1500" fill="hold"/>
+                                        <p:tgtEl>
+                                          <p:spTgt spid="6"/>
+                                        </p:tgtEl>
+                                        <p:attrNameLst>
+                                          <p:attrName>ppt_x</p:attrName>
+                                        </p:attrNameLst>
+                                      </p:cBhvr>
+                                      <p:tavLst>
+                                        <p:tav tm="0">
+                                          <p:val>
+                                            <p:strVal val="#ppt_x"/>
+                                          </p:val>
+                                        </p:tav>
+                                        <p:tav tm="100000">
+                                          <p:val>
+                                            <p:strVal val="#ppt_x"/>
+                                          </p:val>
+                                        </p:tav>
+                                      </p:tavLst>
+                                    </p:anim>
+                                    <p:anim calcmode="lin" valueType="num">
+                                      <p:cBhvr>
+                                        <p:cTn id="100" dur="1500" fill="hold"/>
+                                        <p:tgtEl>
+                                          <p:spTgt spid="6"/>
+                                        </p:tgtEl>
+                                        <p:attrNameLst>
+                                          <p:attrName>ppt_y</p:attrName>
+                                        </p:attrNameLst>
+                                      </p:cBhvr>
+                                      <p:tavLst>
+                                        <p:tav tm="0">
+                                          <p:val>
+                                            <p:strVal val="#ppt_y+.1"/>
+                                          </p:val>
+                                        </p:tav>
+                                        <p:tav tm="100000">
+                                          <p:val>
+                                            <p:strVal val="#ppt_y"/>
+                                          </p:val>
+                                        </p:tav>
+                                      </p:tavLst>
+                                    </p:anim>
+                                  </p:childTnLst>
+                                </p:cTn>
+                              </p:par>
+                            </p:childTnLst>
+                          </p:cTn>
+                        </p:par>
+                        <p:par>
+                          <p:cTn id="101" fill="hold">
+                            <p:stCondLst>
+                              <p:cond delay="3500"/>
+                            </p:stCondLst>
+                            <p:childTnLst>
+                              <p:par>
+                                <p:cTn id="102" presetID="42" presetClass="entr" presetSubtype="0" fill="hold" nodeType="afterEffect">
+                                  <p:stCondLst>
+                                    <p:cond delay="0"/>
+                                  </p:stCondLst>
+                                  <p:childTnLst>
+                                    <p:set>
+                                      <p:cBhvr>
+                                        <p:cTn id="103" dur="1" fill="hold">
+                                          <p:stCondLst>
+                                            <p:cond delay="0"/>
+                                          </p:stCondLst>
+                                        </p:cTn>
+                                        <p:tgtEl>
+                                          <p:spTgt spid="14"/>
+                                        </p:tgtEl>
+                                        <p:attrNameLst>
+                                          <p:attrName>style.visibility</p:attrName>
+                                        </p:attrNameLst>
+                                      </p:cBhvr>
+                                      <p:to>
+                                        <p:strVal val="visible"/>
+                                      </p:to>
+                                    </p:set>
+                                    <p:animEffect transition="in" filter="fade">
+                                      <p:cBhvr>
+                                        <p:cTn id="104" dur="1500"/>
+                                        <p:tgtEl>
+                                          <p:spTgt spid="14"/>
+                                        </p:tgtEl>
+                                      </p:cBhvr>
+                                    </p:animEffect>
+                                    <p:anim calcmode="lin" valueType="num">
+                                      <p:cBhvr>
+                                        <p:cTn id="105" dur="1500" fill="hold"/>
+                                        <p:tgtEl>
+                                          <p:spTgt spid="14"/>
+                                        </p:tgtEl>
+                                        <p:attrNameLst>
+                                          <p:attrName>ppt_x</p:attrName>
+                                        </p:attrNameLst>
+                                      </p:cBhvr>
+                                      <p:tavLst>
+                                        <p:tav tm="0">
+                                          <p:val>
+                                            <p:strVal val="#ppt_x"/>
+                                          </p:val>
+                                        </p:tav>
+                                        <p:tav tm="100000">
+                                          <p:val>
+                                            <p:strVal val="#ppt_x"/>
+                                          </p:val>
+                                        </p:tav>
+                                      </p:tavLst>
+                                    </p:anim>
+                                    <p:anim calcmode="lin" valueType="num">
+                                      <p:cBhvr>
+                                        <p:cTn id="106" dur="1500" fill="hold"/>
+                                        <p:tgtEl>
+                                          <p:spTgt spid="14"/>
                                         </p:tgtEl>
                                         <p:attrNameLst>
                                           <p:attrName>ppt_y</p:attrName>
@@ -13418,7 +14247,7 @@
         </p:spPr>
         <p:txBody>
           <a:bodyPr>
-            <a:normAutofit lnSpcReduction="10000"/>
+            <a:normAutofit fontScale="92500" lnSpcReduction="20000"/>
           </a:bodyPr>
           <a:lstStyle/>
           <a:p>
@@ -13513,7 +14342,6 @@
               <a:rPr lang="en-US" dirty="0"/>
               <a:t>splits. </a:t>
             </a:r>
-            <a:endParaRPr lang="en-US" dirty="0"/>
           </a:p>
           <a:p>
             <a:r>
@@ -13576,7 +14404,14 @@
           </a:p>
           <a:p>
             <a:pPr lvl="2"/>
-            <a:endParaRPr lang="en-US" dirty="0"/>
+            <a:endParaRPr lang="en-US" dirty="0" smtClean="0"/>
+          </a:p>
+          <a:p>
+            <a:r>
+              <a:rPr lang="en-US" b="1" dirty="0" smtClean="0"/>
+              <a:t>THANK YOU !</a:t>
+            </a:r>
+            <a:endParaRPr lang="en-US" b="1" dirty="0"/>
           </a:p>
           <a:p>
             <a:pPr marL="0" indent="0">
@@ -13610,6 +14445,42 @@
           </a:prstGeom>
         </p:spPr>
       </p:pic>
+      <p:cxnSp>
+        <p:nvCxnSpPr>
+          <p:cNvPr id="5" name="Straight Arrow Connector 4"/>
+          <p:cNvCxnSpPr/>
+          <p:nvPr/>
+        </p:nvCxnSpPr>
+        <p:spPr>
+          <a:xfrm flipH="1" flipV="1">
+            <a:off x="8733034" y="4140485"/>
+            <a:ext cx="400692" cy="688369"/>
+          </a:xfrm>
+          <a:prstGeom prst="straightConnector1">
+            <a:avLst/>
+          </a:prstGeom>
+          <a:ln w="19050">
+            <a:solidFill>
+              <a:srgbClr val="FF0000"/>
+            </a:solidFill>
+            <a:tailEnd type="triangle"/>
+          </a:ln>
+        </p:spPr>
+        <p:style>
+          <a:lnRef idx="1">
+            <a:schemeClr val="accent1"/>
+          </a:lnRef>
+          <a:fillRef idx="0">
+            <a:schemeClr val="accent1"/>
+          </a:fillRef>
+          <a:effectRef idx="0">
+            <a:schemeClr val="accent1"/>
+          </a:effectRef>
+          <a:fontRef idx="minor">
+            <a:schemeClr val="tx1"/>
+          </a:fontRef>
+        </p:style>
+      </p:cxnSp>
     </p:spTree>
     <p:extLst>
       <p:ext uri="{BB962C8B-B14F-4D97-AF65-F5344CB8AC3E}">
@@ -13623,7 +14494,832 @@
   <p:timing>
     <p:tnLst>
       <p:par>
-        <p:cTn id="1" dur="indefinite" restart="never" nodeType="tmRoot"/>
+        <p:cTn id="1" dur="indefinite" restart="never" nodeType="tmRoot">
+          <p:childTnLst>
+            <p:seq concurrent="1" nextAc="seek">
+              <p:cTn id="2" dur="indefinite" nodeType="mainSeq">
+                <p:childTnLst>
+                  <p:par>
+                    <p:cTn id="3" fill="hold">
+                      <p:stCondLst>
+                        <p:cond delay="indefinite"/>
+                      </p:stCondLst>
+                      <p:childTnLst>
+                        <p:par>
+                          <p:cTn id="4" fill="hold">
+                            <p:stCondLst>
+                              <p:cond delay="0"/>
+                            </p:stCondLst>
+                            <p:childTnLst>
+                              <p:par>
+                                <p:cTn id="5" presetID="1" presetClass="entr" presetSubtype="0" fill="hold" nodeType="clickEffect">
+                                  <p:stCondLst>
+                                    <p:cond delay="0"/>
+                                  </p:stCondLst>
+                                  <p:childTnLst>
+                                    <p:set>
+                                      <p:cBhvr>
+                                        <p:cTn id="6" dur="1" fill="hold">
+                                          <p:stCondLst>
+                                            <p:cond delay="0"/>
+                                          </p:stCondLst>
+                                        </p:cTn>
+                                        <p:tgtEl>
+                                          <p:spTgt spid="3">
+                                            <p:txEl>
+                                              <p:pRg st="1" end="1"/>
+                                            </p:txEl>
+                                          </p:spTgt>
+                                        </p:tgtEl>
+                                        <p:attrNameLst>
+                                          <p:attrName>style.visibility</p:attrName>
+                                        </p:attrNameLst>
+                                      </p:cBhvr>
+                                      <p:to>
+                                        <p:strVal val="visible"/>
+                                      </p:to>
+                                    </p:set>
+                                  </p:childTnLst>
+                                </p:cTn>
+                              </p:par>
+                            </p:childTnLst>
+                          </p:cTn>
+                        </p:par>
+                      </p:childTnLst>
+                    </p:cTn>
+                  </p:par>
+                  <p:par>
+                    <p:cTn id="7" fill="hold">
+                      <p:stCondLst>
+                        <p:cond delay="indefinite"/>
+                      </p:stCondLst>
+                      <p:childTnLst>
+                        <p:par>
+                          <p:cTn id="8" fill="hold">
+                            <p:stCondLst>
+                              <p:cond delay="0"/>
+                            </p:stCondLst>
+                            <p:childTnLst>
+                              <p:par>
+                                <p:cTn id="9" presetID="1" presetClass="entr" presetSubtype="0" fill="hold" nodeType="clickEffect">
+                                  <p:stCondLst>
+                                    <p:cond delay="0"/>
+                                  </p:stCondLst>
+                                  <p:childTnLst>
+                                    <p:set>
+                                      <p:cBhvr>
+                                        <p:cTn id="10" dur="1" fill="hold">
+                                          <p:stCondLst>
+                                            <p:cond delay="0"/>
+                                          </p:stCondLst>
+                                        </p:cTn>
+                                        <p:tgtEl>
+                                          <p:spTgt spid="3">
+                                            <p:txEl>
+                                              <p:pRg st="2" end="2"/>
+                                            </p:txEl>
+                                          </p:spTgt>
+                                        </p:tgtEl>
+                                        <p:attrNameLst>
+                                          <p:attrName>style.visibility</p:attrName>
+                                        </p:attrNameLst>
+                                      </p:cBhvr>
+                                      <p:to>
+                                        <p:strVal val="visible"/>
+                                      </p:to>
+                                    </p:set>
+                                  </p:childTnLst>
+                                </p:cTn>
+                              </p:par>
+                            </p:childTnLst>
+                          </p:cTn>
+                        </p:par>
+                      </p:childTnLst>
+                    </p:cTn>
+                  </p:par>
+                  <p:par>
+                    <p:cTn id="11" fill="hold">
+                      <p:stCondLst>
+                        <p:cond delay="indefinite"/>
+                      </p:stCondLst>
+                      <p:childTnLst>
+                        <p:par>
+                          <p:cTn id="12" fill="hold">
+                            <p:stCondLst>
+                              <p:cond delay="0"/>
+                            </p:stCondLst>
+                            <p:childTnLst>
+                              <p:par>
+                                <p:cTn id="13" presetID="10" presetClass="entr" presetSubtype="0" fill="hold" nodeType="clickEffect">
+                                  <p:stCondLst>
+                                    <p:cond delay="0"/>
+                                  </p:stCondLst>
+                                  <p:childTnLst>
+                                    <p:set>
+                                      <p:cBhvr>
+                                        <p:cTn id="14" dur="1" fill="hold">
+                                          <p:stCondLst>
+                                            <p:cond delay="0"/>
+                                          </p:stCondLst>
+                                        </p:cTn>
+                                        <p:tgtEl>
+                                          <p:spTgt spid="3">
+                                            <p:txEl>
+                                              <p:pRg st="4" end="4"/>
+                                            </p:txEl>
+                                          </p:spTgt>
+                                        </p:tgtEl>
+                                        <p:attrNameLst>
+                                          <p:attrName>style.visibility</p:attrName>
+                                        </p:attrNameLst>
+                                      </p:cBhvr>
+                                      <p:to>
+                                        <p:strVal val="visible"/>
+                                      </p:to>
+                                    </p:set>
+                                    <p:animEffect transition="in" filter="fade">
+                                      <p:cBhvr>
+                                        <p:cTn id="15" dur="1000"/>
+                                        <p:tgtEl>
+                                          <p:spTgt spid="3">
+                                            <p:txEl>
+                                              <p:pRg st="4" end="4"/>
+                                            </p:txEl>
+                                          </p:spTgt>
+                                        </p:tgtEl>
+                                      </p:cBhvr>
+                                    </p:animEffect>
+                                  </p:childTnLst>
+                                </p:cTn>
+                              </p:par>
+                              <p:par>
+                                <p:cTn id="16" presetID="10" presetClass="entr" presetSubtype="0" fill="hold" nodeType="withEffect">
+                                  <p:stCondLst>
+                                    <p:cond delay="0"/>
+                                  </p:stCondLst>
+                                  <p:childTnLst>
+                                    <p:set>
+                                      <p:cBhvr>
+                                        <p:cTn id="17" dur="1" fill="hold">
+                                          <p:stCondLst>
+                                            <p:cond delay="0"/>
+                                          </p:stCondLst>
+                                        </p:cTn>
+                                        <p:tgtEl>
+                                          <p:spTgt spid="3">
+                                            <p:txEl>
+                                              <p:pRg st="5" end="5"/>
+                                            </p:txEl>
+                                          </p:spTgt>
+                                        </p:tgtEl>
+                                        <p:attrNameLst>
+                                          <p:attrName>style.visibility</p:attrName>
+                                        </p:attrNameLst>
+                                      </p:cBhvr>
+                                      <p:to>
+                                        <p:strVal val="visible"/>
+                                      </p:to>
+                                    </p:set>
+                                    <p:animEffect transition="in" filter="fade">
+                                      <p:cBhvr>
+                                        <p:cTn id="18" dur="1000"/>
+                                        <p:tgtEl>
+                                          <p:spTgt spid="3">
+                                            <p:txEl>
+                                              <p:pRg st="5" end="5"/>
+                                            </p:txEl>
+                                          </p:spTgt>
+                                        </p:tgtEl>
+                                      </p:cBhvr>
+                                    </p:animEffect>
+                                  </p:childTnLst>
+                                </p:cTn>
+                              </p:par>
+                              <p:par>
+                                <p:cTn id="19" presetID="10" presetClass="entr" presetSubtype="0" fill="hold" nodeType="withEffect">
+                                  <p:stCondLst>
+                                    <p:cond delay="0"/>
+                                  </p:stCondLst>
+                                  <p:childTnLst>
+                                    <p:set>
+                                      <p:cBhvr>
+                                        <p:cTn id="20" dur="1" fill="hold">
+                                          <p:stCondLst>
+                                            <p:cond delay="0"/>
+                                          </p:stCondLst>
+                                        </p:cTn>
+                                        <p:tgtEl>
+                                          <p:spTgt spid="3">
+                                            <p:txEl>
+                                              <p:pRg st="6" end="6"/>
+                                            </p:txEl>
+                                          </p:spTgt>
+                                        </p:tgtEl>
+                                        <p:attrNameLst>
+                                          <p:attrName>style.visibility</p:attrName>
+                                        </p:attrNameLst>
+                                      </p:cBhvr>
+                                      <p:to>
+                                        <p:strVal val="visible"/>
+                                      </p:to>
+                                    </p:set>
+                                    <p:animEffect transition="in" filter="fade">
+                                      <p:cBhvr>
+                                        <p:cTn id="21" dur="1000"/>
+                                        <p:tgtEl>
+                                          <p:spTgt spid="3">
+                                            <p:txEl>
+                                              <p:pRg st="6" end="6"/>
+                                            </p:txEl>
+                                          </p:spTgt>
+                                        </p:tgtEl>
+                                      </p:cBhvr>
+                                    </p:animEffect>
+                                  </p:childTnLst>
+                                </p:cTn>
+                              </p:par>
+                              <p:par>
+                                <p:cTn id="22" presetID="10" presetClass="entr" presetSubtype="0" fill="hold" nodeType="withEffect">
+                                  <p:stCondLst>
+                                    <p:cond delay="0"/>
+                                  </p:stCondLst>
+                                  <p:childTnLst>
+                                    <p:set>
+                                      <p:cBhvr>
+                                        <p:cTn id="23" dur="1" fill="hold">
+                                          <p:stCondLst>
+                                            <p:cond delay="0"/>
+                                          </p:stCondLst>
+                                        </p:cTn>
+                                        <p:tgtEl>
+                                          <p:spTgt spid="3">
+                                            <p:txEl>
+                                              <p:pRg st="7" end="7"/>
+                                            </p:txEl>
+                                          </p:spTgt>
+                                        </p:tgtEl>
+                                        <p:attrNameLst>
+                                          <p:attrName>style.visibility</p:attrName>
+                                        </p:attrNameLst>
+                                      </p:cBhvr>
+                                      <p:to>
+                                        <p:strVal val="visible"/>
+                                      </p:to>
+                                    </p:set>
+                                    <p:animEffect transition="in" filter="fade">
+                                      <p:cBhvr>
+                                        <p:cTn id="24" dur="1000"/>
+                                        <p:tgtEl>
+                                          <p:spTgt spid="3">
+                                            <p:txEl>
+                                              <p:pRg st="7" end="7"/>
+                                            </p:txEl>
+                                          </p:spTgt>
+                                        </p:tgtEl>
+                                      </p:cBhvr>
+                                    </p:animEffect>
+                                  </p:childTnLst>
+                                </p:cTn>
+                              </p:par>
+                            </p:childTnLst>
+                          </p:cTn>
+                        </p:par>
+                        <p:par>
+                          <p:cTn id="25" fill="hold">
+                            <p:stCondLst>
+                              <p:cond delay="1000"/>
+                            </p:stCondLst>
+                            <p:childTnLst>
+                              <p:par>
+                                <p:cTn id="26" presetID="42" presetClass="entr" presetSubtype="0" fill="hold" nodeType="afterEffect">
+                                  <p:stCondLst>
+                                    <p:cond delay="0"/>
+                                  </p:stCondLst>
+                                  <p:childTnLst>
+                                    <p:set>
+                                      <p:cBhvr>
+                                        <p:cTn id="27" dur="1" fill="hold">
+                                          <p:stCondLst>
+                                            <p:cond delay="0"/>
+                                          </p:stCondLst>
+                                        </p:cTn>
+                                        <p:tgtEl>
+                                          <p:spTgt spid="4"/>
+                                        </p:tgtEl>
+                                        <p:attrNameLst>
+                                          <p:attrName>style.visibility</p:attrName>
+                                        </p:attrNameLst>
+                                      </p:cBhvr>
+                                      <p:to>
+                                        <p:strVal val="visible"/>
+                                      </p:to>
+                                    </p:set>
+                                    <p:animEffect transition="in" filter="fade">
+                                      <p:cBhvr>
+                                        <p:cTn id="28" dur="1500"/>
+                                        <p:tgtEl>
+                                          <p:spTgt spid="4"/>
+                                        </p:tgtEl>
+                                      </p:cBhvr>
+                                    </p:animEffect>
+                                    <p:anim calcmode="lin" valueType="num">
+                                      <p:cBhvr>
+                                        <p:cTn id="29" dur="1500" fill="hold"/>
+                                        <p:tgtEl>
+                                          <p:spTgt spid="4"/>
+                                        </p:tgtEl>
+                                        <p:attrNameLst>
+                                          <p:attrName>ppt_x</p:attrName>
+                                        </p:attrNameLst>
+                                      </p:cBhvr>
+                                      <p:tavLst>
+                                        <p:tav tm="0">
+                                          <p:val>
+                                            <p:strVal val="#ppt_x"/>
+                                          </p:val>
+                                        </p:tav>
+                                        <p:tav tm="100000">
+                                          <p:val>
+                                            <p:strVal val="#ppt_x"/>
+                                          </p:val>
+                                        </p:tav>
+                                      </p:tavLst>
+                                    </p:anim>
+                                    <p:anim calcmode="lin" valueType="num">
+                                      <p:cBhvr>
+                                        <p:cTn id="30" dur="1500" fill="hold"/>
+                                        <p:tgtEl>
+                                          <p:spTgt spid="4"/>
+                                        </p:tgtEl>
+                                        <p:attrNameLst>
+                                          <p:attrName>ppt_y</p:attrName>
+                                        </p:attrNameLst>
+                                      </p:cBhvr>
+                                      <p:tavLst>
+                                        <p:tav tm="0">
+                                          <p:val>
+                                            <p:strVal val="#ppt_y+.1"/>
+                                          </p:val>
+                                        </p:tav>
+                                        <p:tav tm="100000">
+                                          <p:val>
+                                            <p:strVal val="#ppt_y"/>
+                                          </p:val>
+                                        </p:tav>
+                                      </p:tavLst>
+                                    </p:anim>
+                                  </p:childTnLst>
+                                </p:cTn>
+                              </p:par>
+                            </p:childTnLst>
+                          </p:cTn>
+                        </p:par>
+                        <p:par>
+                          <p:cTn id="31" fill="hold">
+                            <p:stCondLst>
+                              <p:cond delay="2500"/>
+                            </p:stCondLst>
+                            <p:childTnLst>
+                              <p:par>
+                                <p:cTn id="32" presetID="2" presetClass="entr" presetSubtype="4" fill="hold" nodeType="afterEffect">
+                                  <p:stCondLst>
+                                    <p:cond delay="2000"/>
+                                  </p:stCondLst>
+                                  <p:childTnLst>
+                                    <p:set>
+                                      <p:cBhvr>
+                                        <p:cTn id="33" dur="1" fill="hold">
+                                          <p:stCondLst>
+                                            <p:cond delay="0"/>
+                                          </p:stCondLst>
+                                        </p:cTn>
+                                        <p:tgtEl>
+                                          <p:spTgt spid="5"/>
+                                        </p:tgtEl>
+                                        <p:attrNameLst>
+                                          <p:attrName>style.visibility</p:attrName>
+                                        </p:attrNameLst>
+                                      </p:cBhvr>
+                                      <p:to>
+                                        <p:strVal val="visible"/>
+                                      </p:to>
+                                    </p:set>
+                                    <p:anim calcmode="lin" valueType="num">
+                                      <p:cBhvr additive="base">
+                                        <p:cTn id="34" dur="1500" fill="hold"/>
+                                        <p:tgtEl>
+                                          <p:spTgt spid="5"/>
+                                        </p:tgtEl>
+                                        <p:attrNameLst>
+                                          <p:attrName>ppt_x</p:attrName>
+                                        </p:attrNameLst>
+                                      </p:cBhvr>
+                                      <p:tavLst>
+                                        <p:tav tm="0">
+                                          <p:val>
+                                            <p:strVal val="#ppt_x"/>
+                                          </p:val>
+                                        </p:tav>
+                                        <p:tav tm="100000">
+                                          <p:val>
+                                            <p:strVal val="#ppt_x"/>
+                                          </p:val>
+                                        </p:tav>
+                                      </p:tavLst>
+                                    </p:anim>
+                                    <p:anim calcmode="lin" valueType="num">
+                                      <p:cBhvr additive="base">
+                                        <p:cTn id="35" dur="1500" fill="hold"/>
+                                        <p:tgtEl>
+                                          <p:spTgt spid="5"/>
+                                        </p:tgtEl>
+                                        <p:attrNameLst>
+                                          <p:attrName>ppt_y</p:attrName>
+                                        </p:attrNameLst>
+                                      </p:cBhvr>
+                                      <p:tavLst>
+                                        <p:tav tm="0">
+                                          <p:val>
+                                            <p:strVal val="1+#ppt_h/2"/>
+                                          </p:val>
+                                        </p:tav>
+                                        <p:tav tm="100000">
+                                          <p:val>
+                                            <p:strVal val="#ppt_y"/>
+                                          </p:val>
+                                        </p:tav>
+                                      </p:tavLst>
+                                    </p:anim>
+                                  </p:childTnLst>
+                                </p:cTn>
+                              </p:par>
+                            </p:childTnLst>
+                          </p:cTn>
+                        </p:par>
+                      </p:childTnLst>
+                    </p:cTn>
+                  </p:par>
+                  <p:par>
+                    <p:cTn id="36" fill="hold">
+                      <p:stCondLst>
+                        <p:cond delay="indefinite"/>
+                      </p:stCondLst>
+                      <p:childTnLst>
+                        <p:par>
+                          <p:cTn id="37" fill="hold">
+                            <p:stCondLst>
+                              <p:cond delay="0"/>
+                            </p:stCondLst>
+                            <p:childTnLst>
+                              <p:par>
+                                <p:cTn id="38" presetID="1" presetClass="entr" presetSubtype="0" fill="hold" nodeType="clickEffect">
+                                  <p:stCondLst>
+                                    <p:cond delay="0"/>
+                                  </p:stCondLst>
+                                  <p:childTnLst>
+                                    <p:set>
+                                      <p:cBhvr>
+                                        <p:cTn id="39" dur="1" fill="hold">
+                                          <p:stCondLst>
+                                            <p:cond delay="0"/>
+                                          </p:stCondLst>
+                                        </p:cTn>
+                                        <p:tgtEl>
+                                          <p:spTgt spid="3">
+                                            <p:txEl>
+                                              <p:pRg st="8" end="8"/>
+                                            </p:txEl>
+                                          </p:spTgt>
+                                        </p:tgtEl>
+                                        <p:attrNameLst>
+                                          <p:attrName>style.visibility</p:attrName>
+                                        </p:attrNameLst>
+                                      </p:cBhvr>
+                                      <p:to>
+                                        <p:strVal val="visible"/>
+                                      </p:to>
+                                    </p:set>
+                                  </p:childTnLst>
+                                </p:cTn>
+                              </p:par>
+                            </p:childTnLst>
+                          </p:cTn>
+                        </p:par>
+                      </p:childTnLst>
+                    </p:cTn>
+                  </p:par>
+                  <p:par>
+                    <p:cTn id="40" fill="hold">
+                      <p:stCondLst>
+                        <p:cond delay="indefinite"/>
+                      </p:stCondLst>
+                      <p:childTnLst>
+                        <p:par>
+                          <p:cTn id="41" fill="hold">
+                            <p:stCondLst>
+                              <p:cond delay="0"/>
+                            </p:stCondLst>
+                            <p:childTnLst>
+                              <p:par>
+                                <p:cTn id="42" presetID="1" presetClass="entr" presetSubtype="0" fill="hold" nodeType="clickEffect">
+                                  <p:stCondLst>
+                                    <p:cond delay="0"/>
+                                  </p:stCondLst>
+                                  <p:childTnLst>
+                                    <p:set>
+                                      <p:cBhvr>
+                                        <p:cTn id="43" dur="1" fill="hold">
+                                          <p:stCondLst>
+                                            <p:cond delay="0"/>
+                                          </p:stCondLst>
+                                        </p:cTn>
+                                        <p:tgtEl>
+                                          <p:spTgt spid="3">
+                                            <p:txEl>
+                                              <p:pRg st="9" end="9"/>
+                                            </p:txEl>
+                                          </p:spTgt>
+                                        </p:tgtEl>
+                                        <p:attrNameLst>
+                                          <p:attrName>style.visibility</p:attrName>
+                                        </p:attrNameLst>
+                                      </p:cBhvr>
+                                      <p:to>
+                                        <p:strVal val="visible"/>
+                                      </p:to>
+                                    </p:set>
+                                  </p:childTnLst>
+                                </p:cTn>
+                              </p:par>
+                              <p:par>
+                                <p:cTn id="44" presetID="1" presetClass="entr" presetSubtype="0" fill="hold" nodeType="withEffect">
+                                  <p:stCondLst>
+                                    <p:cond delay="0"/>
+                                  </p:stCondLst>
+                                  <p:childTnLst>
+                                    <p:set>
+                                      <p:cBhvr>
+                                        <p:cTn id="45" dur="1" fill="hold">
+                                          <p:stCondLst>
+                                            <p:cond delay="0"/>
+                                          </p:stCondLst>
+                                        </p:cTn>
+                                        <p:tgtEl>
+                                          <p:spTgt spid="3">
+                                            <p:txEl>
+                                              <p:pRg st="10" end="10"/>
+                                            </p:txEl>
+                                          </p:spTgt>
+                                        </p:tgtEl>
+                                        <p:attrNameLst>
+                                          <p:attrName>style.visibility</p:attrName>
+                                        </p:attrNameLst>
+                                      </p:cBhvr>
+                                      <p:to>
+                                        <p:strVal val="visible"/>
+                                      </p:to>
+                                    </p:set>
+                                  </p:childTnLst>
+                                </p:cTn>
+                              </p:par>
+                            </p:childTnLst>
+                          </p:cTn>
+                        </p:par>
+                      </p:childTnLst>
+                    </p:cTn>
+                  </p:par>
+                  <p:par>
+                    <p:cTn id="46" fill="hold">
+                      <p:stCondLst>
+                        <p:cond delay="indefinite"/>
+                      </p:stCondLst>
+                      <p:childTnLst>
+                        <p:par>
+                          <p:cTn id="47" fill="hold">
+                            <p:stCondLst>
+                              <p:cond delay="0"/>
+                            </p:stCondLst>
+                            <p:childTnLst>
+                              <p:par>
+                                <p:cTn id="48" presetID="1" presetClass="entr" presetSubtype="0" fill="hold" nodeType="clickEffect">
+                                  <p:stCondLst>
+                                    <p:cond delay="0"/>
+                                  </p:stCondLst>
+                                  <p:childTnLst>
+                                    <p:set>
+                                      <p:cBhvr>
+                                        <p:cTn id="49" dur="1" fill="hold">
+                                          <p:stCondLst>
+                                            <p:cond delay="0"/>
+                                          </p:stCondLst>
+                                        </p:cTn>
+                                        <p:tgtEl>
+                                          <p:spTgt spid="3">
+                                            <p:txEl>
+                                              <p:pRg st="11" end="11"/>
+                                            </p:txEl>
+                                          </p:spTgt>
+                                        </p:tgtEl>
+                                        <p:attrNameLst>
+                                          <p:attrName>style.visibility</p:attrName>
+                                        </p:attrNameLst>
+                                      </p:cBhvr>
+                                      <p:to>
+                                        <p:strVal val="visible"/>
+                                      </p:to>
+                                    </p:set>
+                                  </p:childTnLst>
+                                </p:cTn>
+                              </p:par>
+                            </p:childTnLst>
+                          </p:cTn>
+                        </p:par>
+                      </p:childTnLst>
+                    </p:cTn>
+                  </p:par>
+                  <p:par>
+                    <p:cTn id="50" fill="hold">
+                      <p:stCondLst>
+                        <p:cond delay="indefinite"/>
+                      </p:stCondLst>
+                      <p:childTnLst>
+                        <p:par>
+                          <p:cTn id="51" fill="hold">
+                            <p:stCondLst>
+                              <p:cond delay="0"/>
+                            </p:stCondLst>
+                            <p:childTnLst>
+                              <p:par>
+                                <p:cTn id="52" presetID="1" presetClass="entr" presetSubtype="0" fill="hold" nodeType="clickEffect">
+                                  <p:stCondLst>
+                                    <p:cond delay="0"/>
+                                  </p:stCondLst>
+                                  <p:childTnLst>
+                                    <p:set>
+                                      <p:cBhvr>
+                                        <p:cTn id="53" dur="1" fill="hold">
+                                          <p:stCondLst>
+                                            <p:cond delay="0"/>
+                                          </p:stCondLst>
+                                        </p:cTn>
+                                        <p:tgtEl>
+                                          <p:spTgt spid="3">
+                                            <p:txEl>
+                                              <p:pRg st="12" end="12"/>
+                                            </p:txEl>
+                                          </p:spTgt>
+                                        </p:tgtEl>
+                                        <p:attrNameLst>
+                                          <p:attrName>style.visibility</p:attrName>
+                                        </p:attrNameLst>
+                                      </p:cBhvr>
+                                      <p:to>
+                                        <p:strVal val="visible"/>
+                                      </p:to>
+                                    </p:set>
+                                  </p:childTnLst>
+                                </p:cTn>
+                              </p:par>
+                            </p:childTnLst>
+                          </p:cTn>
+                        </p:par>
+                      </p:childTnLst>
+                    </p:cTn>
+                  </p:par>
+                  <p:par>
+                    <p:cTn id="54" fill="hold">
+                      <p:stCondLst>
+                        <p:cond delay="indefinite"/>
+                      </p:stCondLst>
+                      <p:childTnLst>
+                        <p:par>
+                          <p:cTn id="55" fill="hold">
+                            <p:stCondLst>
+                              <p:cond delay="0"/>
+                            </p:stCondLst>
+                            <p:childTnLst>
+                              <p:par>
+                                <p:cTn id="56" presetID="42" presetClass="entr" presetSubtype="0" fill="hold" nodeType="clickEffect">
+                                  <p:stCondLst>
+                                    <p:cond delay="0"/>
+                                  </p:stCondLst>
+                                  <p:childTnLst>
+                                    <p:set>
+                                      <p:cBhvr>
+                                        <p:cTn id="57" dur="1" fill="hold">
+                                          <p:stCondLst>
+                                            <p:cond delay="0"/>
+                                          </p:stCondLst>
+                                        </p:cTn>
+                                        <p:tgtEl>
+                                          <p:spTgt spid="3">
+                                            <p:txEl>
+                                              <p:pRg st="14" end="14"/>
+                                            </p:txEl>
+                                          </p:spTgt>
+                                        </p:tgtEl>
+                                        <p:attrNameLst>
+                                          <p:attrName>style.visibility</p:attrName>
+                                        </p:attrNameLst>
+                                      </p:cBhvr>
+                                      <p:to>
+                                        <p:strVal val="visible"/>
+                                      </p:to>
+                                    </p:set>
+                                    <p:animEffect transition="in" filter="fade">
+                                      <p:cBhvr>
+                                        <p:cTn id="58" dur="1000"/>
+                                        <p:tgtEl>
+                                          <p:spTgt spid="3">
+                                            <p:txEl>
+                                              <p:pRg st="14" end="14"/>
+                                            </p:txEl>
+                                          </p:spTgt>
+                                        </p:tgtEl>
+                                      </p:cBhvr>
+                                    </p:animEffect>
+                                    <p:anim calcmode="lin" valueType="num">
+                                      <p:cBhvr>
+                                        <p:cTn id="59" dur="1000" fill="hold"/>
+                                        <p:tgtEl>
+                                          <p:spTgt spid="3">
+                                            <p:txEl>
+                                              <p:pRg st="14" end="14"/>
+                                            </p:txEl>
+                                          </p:spTgt>
+                                        </p:tgtEl>
+                                        <p:attrNameLst>
+                                          <p:attrName>ppt_x</p:attrName>
+                                        </p:attrNameLst>
+                                      </p:cBhvr>
+                                      <p:tavLst>
+                                        <p:tav tm="0">
+                                          <p:val>
+                                            <p:strVal val="#ppt_x"/>
+                                          </p:val>
+                                        </p:tav>
+                                        <p:tav tm="100000">
+                                          <p:val>
+                                            <p:strVal val="#ppt_x"/>
+                                          </p:val>
+                                        </p:tav>
+                                      </p:tavLst>
+                                    </p:anim>
+                                    <p:anim calcmode="lin" valueType="num">
+                                      <p:cBhvr>
+                                        <p:cTn id="60" dur="1000" fill="hold"/>
+                                        <p:tgtEl>
+                                          <p:spTgt spid="3">
+                                            <p:txEl>
+                                              <p:pRg st="14" end="14"/>
+                                            </p:txEl>
+                                          </p:spTgt>
+                                        </p:tgtEl>
+                                        <p:attrNameLst>
+                                          <p:attrName>ppt_y</p:attrName>
+                                        </p:attrNameLst>
+                                      </p:cBhvr>
+                                      <p:tavLst>
+                                        <p:tav tm="0">
+                                          <p:val>
+                                            <p:strVal val="#ppt_y+.1"/>
+                                          </p:val>
+                                        </p:tav>
+                                        <p:tav tm="100000">
+                                          <p:val>
+                                            <p:strVal val="#ppt_y"/>
+                                          </p:val>
+                                        </p:tav>
+                                      </p:tavLst>
+                                    </p:anim>
+                                  </p:childTnLst>
+                                </p:cTn>
+                              </p:par>
+                            </p:childTnLst>
+                          </p:cTn>
+                        </p:par>
+                      </p:childTnLst>
+                    </p:cTn>
+                  </p:par>
+                </p:childTnLst>
+              </p:cTn>
+              <p:prevCondLst>
+                <p:cond evt="onPrev" delay="0">
+                  <p:tgtEl>
+                    <p:sldTgt/>
+                  </p:tgtEl>
+                </p:cond>
+              </p:prevCondLst>
+              <p:nextCondLst>
+                <p:cond evt="onNext" delay="0">
+                  <p:tgtEl>
+                    <p:sldTgt/>
+                  </p:tgtEl>
+                </p:cond>
+              </p:nextCondLst>
+            </p:seq>
+          </p:childTnLst>
+        </p:cTn>
       </p:par>
     </p:tnLst>
   </p:timing>
@@ -22100,7 +23796,11 @@
                                           </p:stCondLst>
                                         </p:cTn>
                                         <p:tgtEl>
-                                          <p:spTgt spid="10"/>
+                                          <p:spTgt spid="3">
+                                            <p:txEl>
+                                              <p:pRg st="6" end="6"/>
+                                            </p:txEl>
+                                          </p:spTgt>
                                         </p:tgtEl>
                                         <p:attrNameLst>
                                           <p:attrName>style.visibility</p:attrName>
@@ -22132,7 +23832,7 @@
                             </p:stCondLst>
                             <p:childTnLst>
                               <p:par>
-                                <p:cTn id="75" presetID="42" presetClass="entr" presetSubtype="0" fill="hold" grpId="0" nodeType="clickEffect">
+                                <p:cTn id="75" presetID="1" presetClass="entr" presetSubtype="0" fill="hold" nodeType="clickEffect">
                                   <p:stCondLst>
                                     <p:cond delay="0"/>
                                   </p:stCondLst>
@@ -22145,6 +23845,51 @@
                                           </p:stCondLst>
                                         </p:cTn>
                                         <p:tgtEl>
+                                          <p:spTgt spid="10"/>
+                                        </p:tgtEl>
+                                        <p:attrNameLst>
+                                          <p:attrName>style.visibility</p:attrName>
+                                        </p:attrNameLst>
+                                      </p:cBhvr>
+                                      <p:to>
+                                        <p:strVal val="visible"/>
+                                      </p:to>
+                                    </p:set>
+                                  </p:childTnLst>
+                                </p:cTn>
+                              </p:par>
+                            </p:childTnLst>
+                          </p:cTn>
+                        </p:par>
+                      </p:childTnLst>
+                    </p:cTn>
+                  </p:par>
+                  <p:par>
+                    <p:cTn id="77" fill="hold">
+                      <p:stCondLst>
+                        <p:cond delay="indefinite"/>
+                      </p:stCondLst>
+                      <p:childTnLst>
+                        <p:par>
+                          <p:cTn id="78" fill="hold">
+                            <p:stCondLst>
+                              <p:cond delay="0"/>
+                            </p:stCondLst>
+                            <p:childTnLst>
+                              <p:par>
+                                <p:cTn id="79" presetID="42" presetClass="entr" presetSubtype="0" fill="hold" grpId="0" nodeType="clickEffect">
+                                  <p:stCondLst>
+                                    <p:cond delay="0"/>
+                                  </p:stCondLst>
+                                  <p:childTnLst>
+                                    <p:set>
+                                      <p:cBhvr>
+                                        <p:cTn id="80" dur="1" fill="hold">
+                                          <p:stCondLst>
+                                            <p:cond delay="0"/>
+                                          </p:stCondLst>
+                                        </p:cTn>
+                                        <p:tgtEl>
                                           <p:spTgt spid="11"/>
                                         </p:tgtEl>
                                         <p:attrNameLst>
@@ -22157,7 +23902,7 @@
                                     </p:set>
                                     <p:animEffect transition="in" filter="fade">
                                       <p:cBhvr>
-                                        <p:cTn id="77" dur="1000"/>
+                                        <p:cTn id="81" dur="1000"/>
                                         <p:tgtEl>
                                           <p:spTgt spid="11"/>
                                         </p:tgtEl>
@@ -22165,7 +23910,7 @@
                                     </p:animEffect>
                                     <p:anim calcmode="lin" valueType="num">
                                       <p:cBhvr>
-                                        <p:cTn id="78" dur="1000" fill="hold"/>
+                                        <p:cTn id="82" dur="1000" fill="hold"/>
                                         <p:tgtEl>
                                           <p:spTgt spid="11"/>
                                         </p:tgtEl>
@@ -22188,7 +23933,7 @@
                                     </p:anim>
                                     <p:anim calcmode="lin" valueType="num">
                                       <p:cBhvr>
-                                        <p:cTn id="79" dur="1000" fill="hold"/>
+                                        <p:cTn id="83" dur="1000" fill="hold"/>
                                         <p:tgtEl>
                                           <p:spTgt spid="11"/>
                                         </p:tgtEl>
@@ -22219,26 +23964,26 @@
                     </p:cTn>
                   </p:par>
                   <p:par>
-                    <p:cTn id="80" fill="hold">
+                    <p:cTn id="84" fill="hold">
                       <p:stCondLst>
                         <p:cond delay="indefinite"/>
                       </p:stCondLst>
                       <p:childTnLst>
                         <p:par>
-                          <p:cTn id="81" fill="hold">
+                          <p:cTn id="85" fill="hold">
                             <p:stCondLst>
                               <p:cond delay="0"/>
                             </p:stCondLst>
                             <p:childTnLst>
                               <p:par>
-                                <p:cTn id="82" presetID="42" presetClass="entr" presetSubtype="0" fill="hold" grpId="0" nodeType="clickEffect">
+                                <p:cTn id="86" presetID="42" presetClass="entr" presetSubtype="0" fill="hold" grpId="0" nodeType="clickEffect">
                                   <p:stCondLst>
                                     <p:cond delay="0"/>
                                   </p:stCondLst>
                                   <p:childTnLst>
                                     <p:set>
                                       <p:cBhvr>
-                                        <p:cTn id="83" dur="1" fill="hold">
+                                        <p:cTn id="87" dur="1" fill="hold">
                                           <p:stCondLst>
                                             <p:cond delay="0"/>
                                           </p:stCondLst>
@@ -22256,7 +24001,7 @@
                                     </p:set>
                                     <p:animEffect transition="in" filter="fade">
                                       <p:cBhvr>
-                                        <p:cTn id="84" dur="1000"/>
+                                        <p:cTn id="88" dur="1000"/>
                                         <p:tgtEl>
                                           <p:spTgt spid="15"/>
                                         </p:tgtEl>
@@ -22264,7 +24009,7 @@
                                     </p:animEffect>
                                     <p:anim calcmode="lin" valueType="num">
                                       <p:cBhvr>
-                                        <p:cTn id="85" dur="1000" fill="hold"/>
+                                        <p:cTn id="89" dur="1000" fill="hold"/>
                                         <p:tgtEl>
                                           <p:spTgt spid="15"/>
                                         </p:tgtEl>
@@ -22287,7 +24032,7 @@
                                     </p:anim>
                                     <p:anim calcmode="lin" valueType="num">
                                       <p:cBhvr>
-                                        <p:cTn id="86" dur="1000" fill="hold"/>
+                                        <p:cTn id="90" dur="1000" fill="hold"/>
                                         <p:tgtEl>
                                           <p:spTgt spid="15"/>
                                         </p:tgtEl>
@@ -22312,14 +24057,14 @@
                                 </p:cTn>
                               </p:par>
                               <p:par>
-                                <p:cTn id="87" presetID="42" presetClass="entr" presetSubtype="0" fill="hold" grpId="0" nodeType="withEffect">
+                                <p:cTn id="91" presetID="42" presetClass="entr" presetSubtype="0" fill="hold" grpId="0" nodeType="withEffect">
                                   <p:stCondLst>
                                     <p:cond delay="0"/>
                                   </p:stCondLst>
                                   <p:childTnLst>
                                     <p:set>
                                       <p:cBhvr>
-                                        <p:cTn id="88" dur="1" fill="hold">
+                                        <p:cTn id="92" dur="1" fill="hold">
                                           <p:stCondLst>
                                             <p:cond delay="0"/>
                                           </p:stCondLst>
@@ -22337,7 +24082,7 @@
                                     </p:set>
                                     <p:animEffect transition="in" filter="fade">
                                       <p:cBhvr>
-                                        <p:cTn id="89" dur="1000"/>
+                                        <p:cTn id="93" dur="1000"/>
                                         <p:tgtEl>
                                           <p:spTgt spid="12"/>
                                         </p:tgtEl>
@@ -22345,7 +24090,7 @@
                                     </p:animEffect>
                                     <p:anim calcmode="lin" valueType="num">
                                       <p:cBhvr>
-                                        <p:cTn id="90" dur="1000" fill="hold"/>
+                                        <p:cTn id="94" dur="1000" fill="hold"/>
                                         <p:tgtEl>
                                           <p:spTgt spid="12"/>
                                         </p:tgtEl>
@@ -22368,7 +24113,7 @@
                                     </p:anim>
                                     <p:anim calcmode="lin" valueType="num">
                                       <p:cBhvr>
-                                        <p:cTn id="91" dur="1000" fill="hold"/>
+                                        <p:cTn id="95" dur="1000" fill="hold"/>
                                         <p:tgtEl>
                                           <p:spTgt spid="12"/>
                                         </p:tgtEl>
